--- a/typescript/typescript_generics.pptx
+++ b/typescript/typescript_generics.pptx
@@ -222,7 +222,7 @@
           <a:p>
             <a:fld id="{AB59D074-2320-B644-8AE3-FA8F898BC08A}" type="datetimeFigureOut">
               <a:rPr kumimoji="1" lang="ja-JP" altLang="en-US" smtClean="0"/>
-              <a:t>2016/4/21</a:t>
+              <a:t>2016/4/22</a:t>
             </a:fld>
             <a:endParaRPr kumimoji="1" lang="ja-JP" altLang="en-US"/>
           </a:p>
@@ -813,7 +813,7 @@
           <a:p>
             <a:fld id="{88637A72-D36E-0F43-9C03-86A92E67AF1A}" type="datetime1">
               <a:rPr kumimoji="1" lang="ja-JP" altLang="en-US" smtClean="0"/>
-              <a:t>2016/4/21</a:t>
+              <a:t>2016/4/22</a:t>
             </a:fld>
             <a:endParaRPr kumimoji="1" lang="ja-JP" altLang="en-US"/>
           </a:p>
@@ -1022,7 +1022,7 @@
           <a:p>
             <a:fld id="{A81DCAB0-111C-3449-B2B3-593591191F54}" type="datetime1">
               <a:rPr kumimoji="1" lang="ja-JP" altLang="en-US" smtClean="0"/>
-              <a:t>2016/4/21</a:t>
+              <a:t>2016/4/22</a:t>
             </a:fld>
             <a:endParaRPr kumimoji="1" lang="ja-JP" altLang="en-US"/>
           </a:p>
@@ -1234,7 +1234,7 @@
           <a:p>
             <a:fld id="{00FF30A6-7345-634B-80CD-397489FC2052}" type="datetime1">
               <a:rPr kumimoji="1" lang="ja-JP" altLang="en-US" smtClean="0"/>
-              <a:t>2016/4/21</a:t>
+              <a:t>2016/4/22</a:t>
             </a:fld>
             <a:endParaRPr kumimoji="1" lang="ja-JP" altLang="en-US"/>
           </a:p>
@@ -1509,7 +1509,7 @@
           <a:p>
             <a:fld id="{720A4259-C8C1-D14A-9994-9F6C986E5F33}" type="datetime1">
               <a:rPr kumimoji="1" lang="ja-JP" altLang="en-US" smtClean="0"/>
-              <a:t>2016/4/21</a:t>
+              <a:t>2016/4/22</a:t>
             </a:fld>
             <a:endParaRPr kumimoji="1" lang="ja-JP" altLang="en-US"/>
           </a:p>
@@ -1762,7 +1762,7 @@
           <a:p>
             <a:fld id="{5148AEAC-11B5-7B4F-BE6A-3413E1F10D2E}" type="datetime1">
               <a:rPr kumimoji="1" lang="ja-JP" altLang="en-US" smtClean="0"/>
-              <a:t>2016/4/21</a:t>
+              <a:t>2016/4/22</a:t>
             </a:fld>
             <a:endParaRPr kumimoji="1" lang="ja-JP" altLang="en-US"/>
           </a:p>
@@ -2015,7 +2015,7 @@
           <a:p>
             <a:fld id="{3D80055B-24AE-BF4A-8693-EE8C355B7E3A}" type="datetime1">
               <a:rPr kumimoji="1" lang="ja-JP" altLang="en-US" smtClean="0"/>
-              <a:t>2016/4/21</a:t>
+              <a:t>2016/4/22</a:t>
             </a:fld>
             <a:endParaRPr kumimoji="1" lang="ja-JP" altLang="en-US"/>
           </a:p>
@@ -2374,7 +2374,7 @@
           <a:p>
             <a:fld id="{54913F8C-B49D-FE4D-8B5C-AC4A4D28883A}" type="datetime1">
               <a:rPr kumimoji="1" lang="ja-JP" altLang="en-US" smtClean="0"/>
-              <a:t>2016/4/21</a:t>
+              <a:t>2016/4/22</a:t>
             </a:fld>
             <a:endParaRPr kumimoji="1" lang="ja-JP" altLang="en-US"/>
           </a:p>
@@ -2860,7 +2860,7 @@
           <a:p>
             <a:fld id="{02B0B8EB-DBB8-934E-95BB-01144898F9A8}" type="datetime1">
               <a:rPr kumimoji="1" lang="ja-JP" altLang="en-US" smtClean="0"/>
-              <a:t>2016/4/21</a:t>
+              <a:t>2016/4/22</a:t>
             </a:fld>
             <a:endParaRPr kumimoji="1" lang="ja-JP" altLang="en-US"/>
           </a:p>
@@ -2985,7 +2985,7 @@
           <a:p>
             <a:fld id="{D5B18069-3716-8F41-9AB8-84592C464092}" type="datetime1">
               <a:rPr kumimoji="1" lang="ja-JP" altLang="en-US" smtClean="0"/>
-              <a:t>2016/4/21</a:t>
+              <a:t>2016/4/22</a:t>
             </a:fld>
             <a:endParaRPr kumimoji="1" lang="ja-JP" altLang="en-US"/>
           </a:p>
@@ -3087,7 +3087,7 @@
           <a:p>
             <a:fld id="{B07B4CD0-1580-8A49-ADA6-F36C2F655F36}" type="datetime1">
               <a:rPr kumimoji="1" lang="ja-JP" altLang="en-US" smtClean="0"/>
-              <a:t>2016/4/21</a:t>
+              <a:t>2016/4/22</a:t>
             </a:fld>
             <a:endParaRPr kumimoji="1" lang="ja-JP" altLang="en-US"/>
           </a:p>
@@ -3403,7 +3403,7 @@
           <a:p>
             <a:fld id="{C40FD8F2-7273-6348-ACF5-05C62B25D52A}" type="datetime1">
               <a:rPr kumimoji="1" lang="ja-JP" altLang="en-US" smtClean="0"/>
-              <a:t>2016/4/21</a:t>
+              <a:t>2016/4/22</a:t>
             </a:fld>
             <a:endParaRPr kumimoji="1" lang="ja-JP" altLang="en-US"/>
           </a:p>
@@ -3656,7 +3656,7 @@
           <a:p>
             <a:fld id="{84D32851-B8E8-784F-ABC7-B2D8BA9CE179}" type="datetime1">
               <a:rPr kumimoji="1" lang="ja-JP" altLang="en-US" smtClean="0"/>
-              <a:t>2016/4/21</a:t>
+              <a:t>2016/4/22</a:t>
             </a:fld>
             <a:endParaRPr kumimoji="1" lang="ja-JP" altLang="en-US"/>
           </a:p>
@@ -3916,7 +3916,7 @@
           <a:p>
             <a:fld id="{B58889CB-E25A-FA45-8BA5-481CF53B311F}" type="datetime1">
               <a:rPr kumimoji="1" lang="ja-JP" altLang="en-US" smtClean="0"/>
-              <a:t>2016/4/21</a:t>
+              <a:t>2016/4/22</a:t>
             </a:fld>
             <a:endParaRPr kumimoji="1" lang="ja-JP" altLang="en-US"/>
           </a:p>
@@ -4118,7 +4118,7 @@
           <a:p>
             <a:fld id="{4C74B825-C178-004D-9DA0-A251B769BADB}" type="datetime1">
               <a:rPr kumimoji="1" lang="ja-JP" altLang="en-US" smtClean="0"/>
-              <a:t>2016/4/21</a:t>
+              <a:t>2016/4/22</a:t>
             </a:fld>
             <a:endParaRPr kumimoji="1" lang="ja-JP" altLang="en-US"/>
           </a:p>
@@ -4330,7 +4330,7 @@
           <a:p>
             <a:fld id="{48F97043-C64E-3E4A-9E3F-EC574990E926}" type="datetime1">
               <a:rPr kumimoji="1" lang="ja-JP" altLang="en-US" smtClean="0"/>
-              <a:t>2016/4/21</a:t>
+              <a:t>2016/4/22</a:t>
             </a:fld>
             <a:endParaRPr kumimoji="1" lang="ja-JP" altLang="en-US"/>
           </a:p>
@@ -4583,7 +4583,7 @@
           <a:p>
             <a:fld id="{4FA2B9B1-86B0-9C47-A183-D633BAAAC357}" type="datetime1">
               <a:rPr kumimoji="1" lang="ja-JP" altLang="en-US" smtClean="0"/>
-              <a:t>2016/4/21</a:t>
+              <a:t>2016/4/22</a:t>
             </a:fld>
             <a:endParaRPr kumimoji="1" lang="ja-JP" altLang="en-US"/>
           </a:p>
@@ -4942,7 +4942,7 @@
           <a:p>
             <a:fld id="{B006CE84-3C88-2049-AEC9-1777E6716B60}" type="datetime1">
               <a:rPr kumimoji="1" lang="ja-JP" altLang="en-US" smtClean="0"/>
-              <a:t>2016/4/21</a:t>
+              <a:t>2016/4/22</a:t>
             </a:fld>
             <a:endParaRPr kumimoji="1" lang="ja-JP" altLang="en-US"/>
           </a:p>
@@ -5435,7 +5435,7 @@
           <a:p>
             <a:fld id="{E357A68F-CB97-4E4C-A191-CB293DB45D65}" type="datetime1">
               <a:rPr kumimoji="1" lang="ja-JP" altLang="en-US" smtClean="0"/>
-              <a:t>2016/4/21</a:t>
+              <a:t>2016/4/22</a:t>
             </a:fld>
             <a:endParaRPr kumimoji="1" lang="ja-JP" altLang="en-US"/>
           </a:p>
@@ -5560,7 +5560,7 @@
           <a:p>
             <a:fld id="{82D1A7A7-71DD-0646-862F-6324304EE56A}" type="datetime1">
               <a:rPr kumimoji="1" lang="ja-JP" altLang="en-US" smtClean="0"/>
-              <a:t>2016/4/21</a:t>
+              <a:t>2016/4/22</a:t>
             </a:fld>
             <a:endParaRPr kumimoji="1" lang="ja-JP" altLang="en-US"/>
           </a:p>
@@ -5662,7 +5662,7 @@
           <a:p>
             <a:fld id="{5904475C-5722-A847-85C9-DAA817F43BD7}" type="datetime1">
               <a:rPr kumimoji="1" lang="ja-JP" altLang="en-US" smtClean="0"/>
-              <a:t>2016/4/21</a:t>
+              <a:t>2016/4/22</a:t>
             </a:fld>
             <a:endParaRPr kumimoji="1" lang="ja-JP" altLang="en-US"/>
           </a:p>
@@ -5978,7 +5978,7 @@
           <a:p>
             <a:fld id="{2E20A40D-4CD5-5F42-A882-08931289B258}" type="datetime1">
               <a:rPr kumimoji="1" lang="ja-JP" altLang="en-US" smtClean="0"/>
-              <a:t>2016/4/21</a:t>
+              <a:t>2016/4/22</a:t>
             </a:fld>
             <a:endParaRPr kumimoji="1" lang="ja-JP" altLang="en-US"/>
           </a:p>
@@ -6238,7 +6238,7 @@
           <a:p>
             <a:fld id="{D7ED3477-F801-0240-88AA-1A083D177491}" type="datetime1">
               <a:rPr kumimoji="1" lang="ja-JP" altLang="en-US" smtClean="0"/>
-              <a:t>2016/4/21</a:t>
+              <a:t>2016/4/22</a:t>
             </a:fld>
             <a:endParaRPr kumimoji="1" lang="ja-JP" altLang="en-US"/>
           </a:p>
@@ -6486,7 +6486,7 @@
           <a:p>
             <a:fld id="{BC98B723-7869-7546-8432-75D50DA3BB73}" type="datetime1">
               <a:rPr kumimoji="1" lang="ja-JP" altLang="en-US" smtClean="0"/>
-              <a:t>2016/4/21</a:t>
+              <a:t>2016/4/22</a:t>
             </a:fld>
             <a:endParaRPr kumimoji="1" lang="ja-JP" altLang="en-US"/>
           </a:p>
@@ -7039,7 +7039,7 @@
           <a:p>
             <a:fld id="{6B33B70B-6F6B-8D45-9E06-4EEB55351607}" type="datetime1">
               <a:rPr kumimoji="1" lang="ja-JP" altLang="en-US" smtClean="0"/>
-              <a:t>2016/4/21</a:t>
+              <a:t>2016/4/22</a:t>
             </a:fld>
             <a:endParaRPr kumimoji="1" lang="ja-JP" altLang="en-US"/>
           </a:p>
@@ -8390,14 +8390,6 @@
                 </a:rPr>
                 <a:t>15</a:t>
               </a:r>
-              <a:endParaRPr kumimoji="1" lang="en-US" altLang="ja-JP" sz="2000" smtClean="0">
-                <a:solidFill>
-                  <a:srgbClr val="3E4057"/>
-                </a:solidFill>
-                <a:latin typeface="Andale Mono" charset="0"/>
-                <a:ea typeface="Andale Mono" charset="0"/>
-                <a:cs typeface="Andale Mono" charset="0"/>
-              </a:endParaRPr>
             </a:p>
           </p:txBody>
         </p:sp>
@@ -9358,7 +9350,7 @@
         </p:nvSpPr>
         <p:spPr>
           <a:xfrm>
-            <a:off x="320148" y="4093737"/>
+            <a:off x="388674" y="4136991"/>
             <a:ext cx="8229600" cy="1872208"/>
           </a:xfrm>
           <a:prstGeom prst="rect">
@@ -9583,6 +9575,59 @@
               <a:t>11</a:t>
             </a:fld>
             <a:endParaRPr kumimoji="1" lang="ja-JP" altLang="en-US"/>
+          </a:p>
+        </p:txBody>
+      </p:sp>
+      <p:sp>
+        <p:nvSpPr>
+          <p:cNvPr id="9" name="対角する 2 つの角を丸めた四角形 8"/>
+          <p:cNvSpPr/>
+          <p:nvPr/>
+        </p:nvSpPr>
+        <p:spPr>
+          <a:xfrm>
+            <a:off x="7376830" y="2377540"/>
+            <a:ext cx="1378496" cy="432048"/>
+          </a:xfrm>
+          <a:prstGeom prst="round2DiagRect">
+            <a:avLst>
+              <a:gd name="adj1" fmla="val 41730"/>
+              <a:gd name="adj2" fmla="val 0"/>
+            </a:avLst>
+          </a:prstGeom>
+        </p:spPr>
+        <p:style>
+          <a:lnRef idx="2">
+            <a:schemeClr val="dk1"/>
+          </a:lnRef>
+          <a:fillRef idx="1">
+            <a:schemeClr val="lt1"/>
+          </a:fillRef>
+          <a:effectRef idx="0">
+            <a:schemeClr val="dk1"/>
+          </a:effectRef>
+          <a:fontRef idx="minor">
+            <a:schemeClr val="dk1"/>
+          </a:fontRef>
+        </p:style>
+        <p:txBody>
+          <a:bodyPr rtlCol="0" anchor="ctr"/>
+          <a:lstStyle/>
+          <a:p>
+            <a:pPr algn="ctr"/>
+            <a:r>
+              <a:rPr kumimoji="1" lang="en-US" altLang="ja-JP" sz="1400" smtClean="0">
+                <a:latin typeface="Meiryo" charset="-128"/>
+                <a:ea typeface="Meiryo" charset="-128"/>
+                <a:cs typeface="Meiryo" charset="-128"/>
+              </a:rPr>
+              <a:t>Sample 7</a:t>
+            </a:r>
+            <a:endParaRPr kumimoji="1" lang="ja-JP" altLang="en-US" sz="1400">
+              <a:latin typeface="Meiryo" charset="-128"/>
+              <a:ea typeface="Meiryo" charset="-128"/>
+              <a:cs typeface="Meiryo" charset="-128"/>
+            </a:endParaRPr>
           </a:p>
         </p:txBody>
       </p:sp>
@@ -10571,14 +10616,6 @@
                 </a:rPr>
                 <a:t>15</a:t>
               </a:r>
-              <a:endParaRPr kumimoji="1" lang="en-US" altLang="ja-JP" sz="2000" smtClean="0">
-                <a:solidFill>
-                  <a:srgbClr val="3E4057"/>
-                </a:solidFill>
-                <a:latin typeface="Andale Mono" charset="0"/>
-                <a:ea typeface="Andale Mono" charset="0"/>
-                <a:cs typeface="Andale Mono" charset="0"/>
-              </a:endParaRPr>
             </a:p>
           </p:txBody>
         </p:sp>
@@ -12090,14 +12127,6 @@
                 </a:rPr>
                 <a:t>15</a:t>
               </a:r>
-              <a:endParaRPr kumimoji="1" lang="en-US" altLang="ja-JP" sz="2000" smtClean="0">
-                <a:solidFill>
-                  <a:srgbClr val="3E4057"/>
-                </a:solidFill>
-                <a:latin typeface="Andale Mono" charset="0"/>
-                <a:ea typeface="Andale Mono" charset="0"/>
-                <a:cs typeface="Andale Mono" charset="0"/>
-              </a:endParaRPr>
             </a:p>
           </p:txBody>
         </p:sp>
@@ -12122,6 +12151,59 @@
               <a:t>13</a:t>
             </a:fld>
             <a:endParaRPr kumimoji="1" lang="ja-JP" altLang="en-US"/>
+          </a:p>
+        </p:txBody>
+      </p:sp>
+      <p:sp>
+        <p:nvSpPr>
+          <p:cNvPr id="7" name="対角する 2 つの角を丸めた四角形 6"/>
+          <p:cNvSpPr/>
+          <p:nvPr/>
+        </p:nvSpPr>
+        <p:spPr>
+          <a:xfrm>
+            <a:off x="7308304" y="1414239"/>
+            <a:ext cx="1378496" cy="432048"/>
+          </a:xfrm>
+          <a:prstGeom prst="round2DiagRect">
+            <a:avLst>
+              <a:gd name="adj1" fmla="val 41730"/>
+              <a:gd name="adj2" fmla="val 0"/>
+            </a:avLst>
+          </a:prstGeom>
+        </p:spPr>
+        <p:style>
+          <a:lnRef idx="2">
+            <a:schemeClr val="dk1"/>
+          </a:lnRef>
+          <a:fillRef idx="1">
+            <a:schemeClr val="lt1"/>
+          </a:fillRef>
+          <a:effectRef idx="0">
+            <a:schemeClr val="dk1"/>
+          </a:effectRef>
+          <a:fontRef idx="minor">
+            <a:schemeClr val="dk1"/>
+          </a:fontRef>
+        </p:style>
+        <p:txBody>
+          <a:bodyPr rtlCol="0" anchor="ctr"/>
+          <a:lstStyle/>
+          <a:p>
+            <a:pPr algn="ctr"/>
+            <a:r>
+              <a:rPr kumimoji="1" lang="en-US" altLang="ja-JP" sz="1400" smtClean="0">
+                <a:latin typeface="Meiryo" charset="-128"/>
+                <a:ea typeface="Meiryo" charset="-128"/>
+                <a:cs typeface="Meiryo" charset="-128"/>
+              </a:rPr>
+              <a:t>Sample 8</a:t>
+            </a:r>
+            <a:endParaRPr kumimoji="1" lang="ja-JP" altLang="en-US" sz="1400">
+              <a:latin typeface="Meiryo" charset="-128"/>
+              <a:ea typeface="Meiryo" charset="-128"/>
+              <a:cs typeface="Meiryo" charset="-128"/>
+            </a:endParaRPr>
           </a:p>
         </p:txBody>
       </p:sp>
@@ -12247,11 +12329,7 @@
             </a:r>
             <a:r>
               <a:rPr lang="ja-JP" altLang="en-US" sz="2400"/>
-              <a:t>時の型チェック</a:t>
-            </a:r>
-            <a:r>
-              <a:rPr lang="ja-JP" altLang="en-US" sz="2400"/>
-              <a:t>が</a:t>
+              <a:t>時の型チェックが</a:t>
             </a:r>
             <a:r>
               <a:rPr lang="ja-JP" altLang="en-US" sz="2400" smtClean="0"/>
@@ -13547,11 +13625,7 @@
             </a:r>
             <a:r>
               <a:rPr kumimoji="1" lang="ja-JP" altLang="en-US" sz="2400" smtClean="0"/>
-              <a:t>、</a:t>
-            </a:r>
-            <a:r>
-              <a:rPr kumimoji="1" lang="ja-JP" altLang="en-US" sz="2400" smtClean="0"/>
-              <a:t>インターフェースなどの</a:t>
+              <a:t>、インターフェースなどの</a:t>
             </a:r>
             <a:r>
               <a:rPr kumimoji="1" lang="ja-JP" altLang="en-US" sz="2400" dirty="0" smtClean="0">
@@ -13567,15 +13641,7 @@
                   <a:srgbClr val="32B490"/>
                 </a:solidFill>
               </a:rPr>
-              <a:t>を</a:t>
-            </a:r>
-            <a:r>
-              <a:rPr kumimoji="1" lang="ja-JP" altLang="en-US" sz="2400" smtClean="0">
-                <a:solidFill>
-                  <a:srgbClr val="32B490"/>
-                </a:solidFill>
-              </a:rPr>
-              <a:t>変数化</a:t>
+              <a:t>を変数化</a:t>
             </a:r>
             <a:endParaRPr kumimoji="1" lang="en-US" altLang="ja-JP" sz="2400" smtClean="0">
               <a:solidFill>
@@ -13653,8 +13719,8 @@
         </p:nvCxnSpPr>
         <p:spPr>
           <a:xfrm>
-            <a:off x="1979712" y="2564904"/>
-            <a:ext cx="1008112" cy="0"/>
+            <a:off x="2051720" y="2564904"/>
+            <a:ext cx="792088" cy="0"/>
           </a:xfrm>
           <a:prstGeom prst="line">
             <a:avLst/>
@@ -13920,8 +13986,12 @@
           <a:lstStyle/>
           <a:p>
             <a:r>
+              <a:rPr kumimoji="1" lang="ja-JP" altLang="en-US" smtClean="0"/>
+              <a:t>関数</a:t>
+            </a:r>
+            <a:r>
               <a:rPr kumimoji="1" lang="en-US" altLang="ja-JP" smtClean="0"/>
-              <a:t>Generics </a:t>
+              <a:t> </a:t>
             </a:r>
             <a:r>
               <a:rPr kumimoji="1" lang="ja-JP" altLang="en-US" sz="2800" smtClean="0"/>
@@ -13932,8 +14002,8 @@
               <a:t> </a:t>
             </a:r>
             <a:r>
-              <a:rPr kumimoji="1" lang="ja-JP" altLang="en-US" smtClean="0"/>
-              <a:t>関数</a:t>
+              <a:rPr lang="en-US" altLang="ja-JP" smtClean="0"/>
+              <a:t>Gnerics</a:t>
             </a:r>
             <a:endParaRPr kumimoji="1" lang="ja-JP" altLang="en-US" dirty="0"/>
           </a:p>
@@ -13965,6 +14035,10 @@
               <a:buNone/>
             </a:pPr>
             <a:r>
+              <a:rPr lang="ja-JP" altLang="en-US" sz="2400" smtClean="0"/>
+              <a:t>「</a:t>
+            </a:r>
+            <a:r>
               <a:rPr lang="en-US" altLang="ja-JP" sz="2400" smtClean="0">
                 <a:solidFill>
                   <a:srgbClr val="32B490"/>
@@ -13990,7 +14064,7 @@
             </a:r>
             <a:r>
               <a:rPr lang="ja-JP" altLang="en-US" sz="2400" smtClean="0"/>
-              <a:t>も扱いたい</a:t>
+              <a:t>も扱いたい」</a:t>
             </a:r>
             <a:endParaRPr lang="en-US" altLang="ja-JP" sz="2400" dirty="0"/>
           </a:p>
@@ -14246,14 +14320,6 @@
                 </a:rPr>
                 <a:t>}</a:t>
               </a:r>
-              <a:endParaRPr kumimoji="1" lang="en-US" altLang="ja-JP" sz="2000" smtClean="0">
-                <a:solidFill>
-                  <a:srgbClr val="3E4057"/>
-                </a:solidFill>
-                <a:latin typeface="Andale Mono" charset="0"/>
-                <a:ea typeface="Andale Mono" charset="0"/>
-                <a:cs typeface="Andale Mono" charset="0"/>
-              </a:endParaRPr>
             </a:p>
           </p:txBody>
         </p:sp>
@@ -14342,14 +14408,6 @@
                 </a:rPr>
                 <a:t>3</a:t>
               </a:r>
-              <a:endParaRPr kumimoji="1" lang="en-US" altLang="ja-JP" sz="2000" smtClean="0">
-                <a:solidFill>
-                  <a:srgbClr val="3E4057"/>
-                </a:solidFill>
-                <a:latin typeface="Andale Mono" charset="0"/>
-                <a:ea typeface="Andale Mono" charset="0"/>
-                <a:cs typeface="Andale Mono" charset="0"/>
-              </a:endParaRPr>
             </a:p>
           </p:txBody>
         </p:sp>
@@ -14553,6 +14611,59 @@
               <a:t>4</a:t>
             </a:fld>
             <a:endParaRPr kumimoji="1" lang="ja-JP" altLang="en-US"/>
+          </a:p>
+        </p:txBody>
+      </p:sp>
+      <p:sp>
+        <p:nvSpPr>
+          <p:cNvPr id="7" name="対角する 2 つの角を丸めた四角形 6"/>
+          <p:cNvSpPr/>
+          <p:nvPr/>
+        </p:nvSpPr>
+        <p:spPr>
+          <a:xfrm>
+            <a:off x="7308304" y="2246193"/>
+            <a:ext cx="1378496" cy="432048"/>
+          </a:xfrm>
+          <a:prstGeom prst="round2DiagRect">
+            <a:avLst>
+              <a:gd name="adj1" fmla="val 41730"/>
+              <a:gd name="adj2" fmla="val 0"/>
+            </a:avLst>
+          </a:prstGeom>
+        </p:spPr>
+        <p:style>
+          <a:lnRef idx="2">
+            <a:schemeClr val="dk1"/>
+          </a:lnRef>
+          <a:fillRef idx="1">
+            <a:schemeClr val="lt1"/>
+          </a:fillRef>
+          <a:effectRef idx="0">
+            <a:schemeClr val="dk1"/>
+          </a:effectRef>
+          <a:fontRef idx="minor">
+            <a:schemeClr val="dk1"/>
+          </a:fontRef>
+        </p:style>
+        <p:txBody>
+          <a:bodyPr rtlCol="0" anchor="ctr"/>
+          <a:lstStyle/>
+          <a:p>
+            <a:pPr algn="ctr"/>
+            <a:r>
+              <a:rPr kumimoji="1" lang="en-US" altLang="ja-JP" sz="1400" smtClean="0">
+                <a:latin typeface="Meiryo" charset="-128"/>
+                <a:ea typeface="Meiryo" charset="-128"/>
+                <a:cs typeface="Meiryo" charset="-128"/>
+              </a:rPr>
+              <a:t>Sample 1</a:t>
+            </a:r>
+            <a:endParaRPr kumimoji="1" lang="ja-JP" altLang="en-US" sz="1400">
+              <a:latin typeface="Meiryo" charset="-128"/>
+              <a:ea typeface="Meiryo" charset="-128"/>
+              <a:cs typeface="Meiryo" charset="-128"/>
+            </a:endParaRPr>
           </a:p>
         </p:txBody>
       </p:sp>
@@ -14696,8 +14807,12 @@
           <a:lstStyle/>
           <a:p>
             <a:r>
+              <a:rPr lang="ja-JP" altLang="en-US"/>
+              <a:t>関数</a:t>
+            </a:r>
+            <a:r>
               <a:rPr lang="en-US" altLang="ja-JP"/>
-              <a:t>Generics </a:t>
+              <a:t> </a:t>
             </a:r>
             <a:r>
               <a:rPr lang="ja-JP" altLang="en-US" sz="2800"/>
@@ -14705,11 +14820,7 @@
             </a:r>
             <a:r>
               <a:rPr lang="en-US" altLang="ja-JP"/>
-              <a:t> </a:t>
-            </a:r>
-            <a:r>
-              <a:rPr lang="ja-JP" altLang="en-US"/>
-              <a:t>関数</a:t>
+              <a:t> Gnerics</a:t>
             </a:r>
             <a:endParaRPr kumimoji="1" lang="ja-JP" altLang="en-US" dirty="0"/>
           </a:p>
@@ -15564,6 +15675,59 @@
               <a:t>5</a:t>
             </a:fld>
             <a:endParaRPr kumimoji="1" lang="ja-JP" altLang="en-US"/>
+          </a:p>
+        </p:txBody>
+      </p:sp>
+      <p:sp>
+        <p:nvSpPr>
+          <p:cNvPr id="10" name="対角する 2 つの角を丸めた四角形 9"/>
+          <p:cNvSpPr/>
+          <p:nvPr/>
+        </p:nvSpPr>
+        <p:spPr>
+          <a:xfrm>
+            <a:off x="7308304" y="2243605"/>
+            <a:ext cx="1378496" cy="432048"/>
+          </a:xfrm>
+          <a:prstGeom prst="round2DiagRect">
+            <a:avLst>
+              <a:gd name="adj1" fmla="val 41730"/>
+              <a:gd name="adj2" fmla="val 0"/>
+            </a:avLst>
+          </a:prstGeom>
+        </p:spPr>
+        <p:style>
+          <a:lnRef idx="2">
+            <a:schemeClr val="dk1"/>
+          </a:lnRef>
+          <a:fillRef idx="1">
+            <a:schemeClr val="lt1"/>
+          </a:fillRef>
+          <a:effectRef idx="0">
+            <a:schemeClr val="dk1"/>
+          </a:effectRef>
+          <a:fontRef idx="minor">
+            <a:schemeClr val="dk1"/>
+          </a:fontRef>
+        </p:style>
+        <p:txBody>
+          <a:bodyPr rtlCol="0" anchor="ctr"/>
+          <a:lstStyle/>
+          <a:p>
+            <a:pPr algn="ctr"/>
+            <a:r>
+              <a:rPr kumimoji="1" lang="en-US" altLang="ja-JP" sz="1400" smtClean="0">
+                <a:latin typeface="Meiryo" charset="-128"/>
+                <a:ea typeface="Meiryo" charset="-128"/>
+                <a:cs typeface="Meiryo" charset="-128"/>
+              </a:rPr>
+              <a:t>Sample 2</a:t>
+            </a:r>
+            <a:endParaRPr kumimoji="1" lang="ja-JP" altLang="en-US" sz="1400">
+              <a:latin typeface="Meiryo" charset="-128"/>
+              <a:ea typeface="Meiryo" charset="-128"/>
+              <a:cs typeface="Meiryo" charset="-128"/>
+            </a:endParaRPr>
           </a:p>
         </p:txBody>
       </p:sp>
@@ -15707,8 +15871,12 @@
           <a:lstStyle/>
           <a:p>
             <a:r>
+              <a:rPr lang="ja-JP" altLang="en-US"/>
+              <a:t>関数</a:t>
+            </a:r>
+            <a:r>
               <a:rPr lang="en-US" altLang="ja-JP"/>
-              <a:t>Generics </a:t>
+              <a:t> </a:t>
             </a:r>
             <a:r>
               <a:rPr lang="ja-JP" altLang="en-US" sz="2800"/>
@@ -15716,11 +15884,7 @@
             </a:r>
             <a:r>
               <a:rPr lang="en-US" altLang="ja-JP"/>
-              <a:t> </a:t>
-            </a:r>
-            <a:r>
-              <a:rPr lang="ja-JP" altLang="en-US"/>
-              <a:t>関数</a:t>
+              <a:t> Gnerics</a:t>
             </a:r>
             <a:endParaRPr kumimoji="1" lang="ja-JP" altLang="en-US" dirty="0"/>
           </a:p>
@@ -15895,18 +16059,7 @@
                   <a:ea typeface="Andale Mono" charset="0"/>
                   <a:cs typeface="Andale Mono" charset="0"/>
                 </a:rPr>
-                <a:t>(arg</a:t>
-              </a:r>
-              <a:r>
-                <a:rPr kumimoji="1" lang="en-US" altLang="ja-JP" sz="2000" smtClean="0">
-                  <a:solidFill>
-                    <a:srgbClr val="3E4057"/>
-                  </a:solidFill>
-                  <a:latin typeface="Andale Mono" charset="0"/>
-                  <a:ea typeface="Andale Mono" charset="0"/>
-                  <a:cs typeface="Andale Mono" charset="0"/>
-                </a:rPr>
-                <a:t>: </a:t>
+                <a:t>(arg: </a:t>
               </a:r>
               <a:r>
                 <a:rPr lang="en-US" altLang="ja-JP" sz="2000" b="1" smtClean="0">
@@ -16049,14 +16202,6 @@
                 </a:rPr>
                 <a:t>}</a:t>
               </a:r>
-              <a:endParaRPr kumimoji="1" lang="en-US" altLang="ja-JP" sz="2000" smtClean="0">
-                <a:solidFill>
-                  <a:srgbClr val="3E4057"/>
-                </a:solidFill>
-                <a:latin typeface="Andale Mono" charset="0"/>
-                <a:ea typeface="Andale Mono" charset="0"/>
-                <a:cs typeface="Andale Mono" charset="0"/>
-              </a:endParaRPr>
             </a:p>
           </p:txBody>
         </p:sp>
@@ -16145,14 +16290,6 @@
                 </a:rPr>
                 <a:t>3</a:t>
               </a:r>
-              <a:endParaRPr kumimoji="1" lang="en-US" altLang="ja-JP" sz="2000" smtClean="0">
-                <a:solidFill>
-                  <a:srgbClr val="3E4057"/>
-                </a:solidFill>
-                <a:latin typeface="Andale Mono" charset="0"/>
-                <a:ea typeface="Andale Mono" charset="0"/>
-                <a:cs typeface="Andale Mono" charset="0"/>
-              </a:endParaRPr>
             </a:p>
           </p:txBody>
         </p:sp>
@@ -16589,6 +16726,59 @@
               <a:t>の変数のような自由な型</a:t>
             </a:r>
             <a:endParaRPr lang="en-US" altLang="ja-JP" sz="2000"/>
+          </a:p>
+        </p:txBody>
+      </p:sp>
+      <p:sp>
+        <p:nvSpPr>
+          <p:cNvPr id="11" name="対角する 2 つの角を丸めた四角形 10"/>
+          <p:cNvSpPr/>
+          <p:nvPr/>
+        </p:nvSpPr>
+        <p:spPr>
+          <a:xfrm>
+            <a:off x="7308304" y="2224987"/>
+            <a:ext cx="1378496" cy="432048"/>
+          </a:xfrm>
+          <a:prstGeom prst="round2DiagRect">
+            <a:avLst>
+              <a:gd name="adj1" fmla="val 41730"/>
+              <a:gd name="adj2" fmla="val 0"/>
+            </a:avLst>
+          </a:prstGeom>
+        </p:spPr>
+        <p:style>
+          <a:lnRef idx="2">
+            <a:schemeClr val="dk1"/>
+          </a:lnRef>
+          <a:fillRef idx="1">
+            <a:schemeClr val="lt1"/>
+          </a:fillRef>
+          <a:effectRef idx="0">
+            <a:schemeClr val="dk1"/>
+          </a:effectRef>
+          <a:fontRef idx="minor">
+            <a:schemeClr val="dk1"/>
+          </a:fontRef>
+        </p:style>
+        <p:txBody>
+          <a:bodyPr rtlCol="0" anchor="ctr"/>
+          <a:lstStyle/>
+          <a:p>
+            <a:pPr algn="ctr"/>
+            <a:r>
+              <a:rPr kumimoji="1" lang="en-US" altLang="ja-JP" sz="1400" smtClean="0">
+                <a:latin typeface="Meiryo" charset="-128"/>
+                <a:ea typeface="Meiryo" charset="-128"/>
+                <a:cs typeface="Meiryo" charset="-128"/>
+              </a:rPr>
+              <a:t>Sample 3</a:t>
+            </a:r>
+            <a:endParaRPr kumimoji="1" lang="ja-JP" altLang="en-US" sz="1400">
+              <a:latin typeface="Meiryo" charset="-128"/>
+              <a:ea typeface="Meiryo" charset="-128"/>
+              <a:cs typeface="Meiryo" charset="-128"/>
+            </a:endParaRPr>
           </a:p>
         </p:txBody>
       </p:sp>
@@ -16775,8 +16965,12 @@
           <a:lstStyle/>
           <a:p>
             <a:r>
+              <a:rPr lang="ja-JP" altLang="en-US"/>
+              <a:t>関数</a:t>
+            </a:r>
+            <a:r>
               <a:rPr lang="en-US" altLang="ja-JP"/>
-              <a:t>Generics </a:t>
+              <a:t> </a:t>
             </a:r>
             <a:r>
               <a:rPr lang="ja-JP" altLang="en-US" sz="2800"/>
@@ -16784,11 +16978,7 @@
             </a:r>
             <a:r>
               <a:rPr lang="en-US" altLang="ja-JP"/>
-              <a:t> </a:t>
-            </a:r>
-            <a:r>
-              <a:rPr lang="ja-JP" altLang="en-US"/>
-              <a:t>関数</a:t>
+              <a:t> Gnerics</a:t>
             </a:r>
             <a:endParaRPr kumimoji="1" lang="ja-JP" altLang="en-US" dirty="0"/>
           </a:p>
@@ -16977,7 +17167,97 @@
                 </a:rPr>
                 <a:t>);</a:t>
               </a:r>
-              <a:endParaRPr lang="en-US" altLang="ja-JP" sz="2000" smtClean="0">
+            </a:p>
+            <a:p>
+              <a:r>
+                <a:rPr lang="en-US" altLang="ja-JP" sz="2000" smtClean="0">
+                  <a:solidFill>
+                    <a:srgbClr val="3E4057"/>
+                  </a:solidFill>
+                  <a:latin typeface="Andale Mono" charset="0"/>
+                  <a:ea typeface="Andale Mono" charset="0"/>
+                  <a:cs typeface="Andale Mono" charset="0"/>
+                </a:rPr>
+                <a:t>f</a:t>
+              </a:r>
+              <a:r>
+                <a:rPr kumimoji="1" lang="en-US" altLang="ja-JP" sz="2000" smtClean="0">
+                  <a:solidFill>
+                    <a:srgbClr val="3E4057"/>
+                  </a:solidFill>
+                  <a:latin typeface="Andale Mono" charset="0"/>
+                  <a:ea typeface="Andale Mono" charset="0"/>
+                  <a:cs typeface="Andale Mono" charset="0"/>
+                </a:rPr>
+                <a:t>unction </a:t>
+              </a:r>
+              <a:r>
+                <a:rPr kumimoji="1" lang="en-US" altLang="ja-JP" sz="2000" b="1" smtClean="0">
+                  <a:solidFill>
+                    <a:srgbClr val="3E4057"/>
+                  </a:solidFill>
+                  <a:latin typeface="Andale Mono" charset="0"/>
+                  <a:ea typeface="Andale Mono" charset="0"/>
+                  <a:cs typeface="Andale Mono" charset="0"/>
+                </a:rPr>
+                <a:t>echo</a:t>
+              </a:r>
+              <a:r>
+                <a:rPr kumimoji="1" lang="en-US" altLang="ja-JP" sz="2000" smtClean="0">
+                  <a:solidFill>
+                    <a:srgbClr val="3E4057"/>
+                  </a:solidFill>
+                  <a:latin typeface="Andale Mono" charset="0"/>
+                  <a:ea typeface="Andale Mono" charset="0"/>
+                  <a:cs typeface="Andale Mono" charset="0"/>
+                </a:rPr>
+                <a:t>(arg: </a:t>
+              </a:r>
+              <a:r>
+                <a:rPr lang="en-US" altLang="ja-JP" sz="2000" b="1" smtClean="0">
+                  <a:solidFill>
+                    <a:srgbClr val="3E4057"/>
+                  </a:solidFill>
+                  <a:latin typeface="Andale Mono" charset="0"/>
+                  <a:ea typeface="Andale Mono" charset="0"/>
+                  <a:cs typeface="Andale Mono" charset="0"/>
+                </a:rPr>
+                <a:t>any</a:t>
+              </a:r>
+              <a:r>
+                <a:rPr kumimoji="1" lang="en-US" altLang="ja-JP" sz="2000" smtClean="0">
+                  <a:solidFill>
+                    <a:srgbClr val="3E4057"/>
+                  </a:solidFill>
+                  <a:latin typeface="Andale Mono" charset="0"/>
+                  <a:ea typeface="Andale Mono" charset="0"/>
+                  <a:cs typeface="Andale Mono" charset="0"/>
+                </a:rPr>
+                <a:t>): </a:t>
+              </a:r>
+              <a:r>
+                <a:rPr kumimoji="1" lang="en-US" altLang="ja-JP" sz="2000" b="1" smtClean="0">
+                  <a:solidFill>
+                    <a:srgbClr val="3E4057"/>
+                  </a:solidFill>
+                  <a:latin typeface="Andale Mono" charset="0"/>
+                  <a:ea typeface="Andale Mono" charset="0"/>
+                  <a:cs typeface="Andale Mono" charset="0"/>
+                </a:rPr>
+                <a:t>any </a:t>
+              </a:r>
+              <a:r>
+                <a:rPr kumimoji="1" lang="en-US" altLang="ja-JP" sz="2000" smtClean="0">
+                  <a:solidFill>
+                    <a:srgbClr val="3E4057"/>
+                  </a:solidFill>
+                  <a:latin typeface="Andale Mono" charset="0"/>
+                  <a:ea typeface="Andale Mono" charset="0"/>
+                  <a:cs typeface="Andale Mono" charset="0"/>
+                </a:rPr>
+                <a:t>{</a:t>
+              </a:r>
+              <a:endParaRPr kumimoji="1" lang="en-US" altLang="ja-JP" sz="2000" dirty="0" smtClean="0">
                 <a:solidFill>
                   <a:srgbClr val="3E4057"/>
                 </a:solidFill>
@@ -16988,105 +17268,61 @@
             </a:p>
             <a:p>
               <a:r>
-                <a:rPr lang="en-US" altLang="ja-JP" sz="2000" smtClean="0">
-                  <a:solidFill>
-                    <a:srgbClr val="3E4057"/>
-                  </a:solidFill>
-                  <a:latin typeface="Andale Mono" charset="0"/>
-                  <a:ea typeface="Andale Mono" charset="0"/>
-                  <a:cs typeface="Andale Mono" charset="0"/>
-                </a:rPr>
-                <a:t>f</a:t>
-              </a:r>
-              <a:r>
-                <a:rPr kumimoji="1" lang="en-US" altLang="ja-JP" sz="2000" smtClean="0">
-                  <a:solidFill>
-                    <a:srgbClr val="3E4057"/>
-                  </a:solidFill>
-                  <a:latin typeface="Andale Mono" charset="0"/>
-                  <a:ea typeface="Andale Mono" charset="0"/>
-                  <a:cs typeface="Andale Mono" charset="0"/>
-                </a:rPr>
-                <a:t>unction </a:t>
-              </a:r>
-              <a:r>
-                <a:rPr kumimoji="1" lang="en-US" altLang="ja-JP" sz="2000" b="1" smtClean="0">
-                  <a:solidFill>
-                    <a:srgbClr val="3E4057"/>
-                  </a:solidFill>
-                  <a:latin typeface="Andale Mono" charset="0"/>
-                  <a:ea typeface="Andale Mono" charset="0"/>
-                  <a:cs typeface="Andale Mono" charset="0"/>
-                </a:rPr>
-                <a:t>echo</a:t>
-              </a:r>
-              <a:r>
-                <a:rPr kumimoji="1" lang="en-US" altLang="ja-JP" sz="2000" smtClean="0">
-                  <a:solidFill>
-                    <a:srgbClr val="3E4057"/>
-                  </a:solidFill>
-                  <a:latin typeface="Andale Mono" charset="0"/>
-                  <a:ea typeface="Andale Mono" charset="0"/>
-                  <a:cs typeface="Andale Mono" charset="0"/>
-                </a:rPr>
-                <a:t>(arg</a:t>
-              </a:r>
-              <a:r>
-                <a:rPr kumimoji="1" lang="en-US" altLang="ja-JP" sz="2000" smtClean="0">
-                  <a:solidFill>
-                    <a:srgbClr val="3E4057"/>
-                  </a:solidFill>
-                  <a:latin typeface="Andale Mono" charset="0"/>
-                  <a:ea typeface="Andale Mono" charset="0"/>
-                  <a:cs typeface="Andale Mono" charset="0"/>
-                </a:rPr>
-                <a:t>: </a:t>
-              </a:r>
-              <a:r>
-                <a:rPr lang="en-US" altLang="ja-JP" sz="2000" b="1" smtClean="0">
-                  <a:solidFill>
-                    <a:srgbClr val="3E4057"/>
-                  </a:solidFill>
-                  <a:latin typeface="Andale Mono" charset="0"/>
-                  <a:ea typeface="Andale Mono" charset="0"/>
-                  <a:cs typeface="Andale Mono" charset="0"/>
-                </a:rPr>
-                <a:t>any</a:t>
-              </a:r>
-              <a:r>
-                <a:rPr kumimoji="1" lang="en-US" altLang="ja-JP" sz="2000" smtClean="0">
-                  <a:solidFill>
-                    <a:srgbClr val="3E4057"/>
-                  </a:solidFill>
-                  <a:latin typeface="Andale Mono" charset="0"/>
-                  <a:ea typeface="Andale Mono" charset="0"/>
-                  <a:cs typeface="Andale Mono" charset="0"/>
-                </a:rPr>
-                <a:t>): </a:t>
-              </a:r>
-              <a:r>
-                <a:rPr kumimoji="1" lang="en-US" altLang="ja-JP" sz="2000" b="1" smtClean="0">
-                  <a:solidFill>
-                    <a:srgbClr val="3E4057"/>
-                  </a:solidFill>
-                  <a:latin typeface="Andale Mono" charset="0"/>
-                  <a:ea typeface="Andale Mono" charset="0"/>
-                  <a:cs typeface="Andale Mono" charset="0"/>
-                </a:rPr>
-                <a:t>any </a:t>
-              </a:r>
-              <a:r>
-                <a:rPr kumimoji="1" lang="en-US" altLang="ja-JP" sz="2000" smtClean="0">
-                  <a:solidFill>
-                    <a:srgbClr val="3E4057"/>
-                  </a:solidFill>
-                  <a:latin typeface="Andale Mono" charset="0"/>
-                  <a:ea typeface="Andale Mono" charset="0"/>
-                  <a:cs typeface="Andale Mono" charset="0"/>
-                </a:rPr>
-                <a:t>{</a:t>
-              </a:r>
-              <a:endParaRPr kumimoji="1" lang="en-US" altLang="ja-JP" sz="2000" dirty="0" smtClean="0">
+                <a:rPr lang="en-US" altLang="ja-JP" sz="2000" dirty="0" smtClean="0">
+                  <a:solidFill>
+                    <a:srgbClr val="3E4057"/>
+                  </a:solidFill>
+                  <a:latin typeface="Andale Mono" charset="0"/>
+                  <a:ea typeface="Andale Mono" charset="0"/>
+                  <a:cs typeface="Andale Mono" charset="0"/>
+                </a:rPr>
+                <a:t>	</a:t>
+              </a:r>
+              <a:r>
+                <a:rPr lang="en-US" altLang="ja-JP" sz="2000" b="1" dirty="0" smtClean="0">
+                  <a:solidFill>
+                    <a:srgbClr val="3E4057"/>
+                  </a:solidFill>
+                  <a:latin typeface="Andale Mono" charset="0"/>
+                  <a:ea typeface="Andale Mono" charset="0"/>
+                  <a:cs typeface="Andale Mono" charset="0"/>
+                </a:rPr>
+                <a:t>return</a:t>
+              </a:r>
+              <a:r>
+                <a:rPr lang="en-US" altLang="ja-JP" sz="2000" dirty="0" smtClean="0">
+                  <a:solidFill>
+                    <a:srgbClr val="3E4057"/>
+                  </a:solidFill>
+                  <a:latin typeface="Andale Mono" charset="0"/>
+                  <a:ea typeface="Andale Mono" charset="0"/>
+                  <a:cs typeface="Andale Mono" charset="0"/>
+                </a:rPr>
+                <a:t> </a:t>
+              </a:r>
+              <a:r>
+                <a:rPr lang="en-US" altLang="ja-JP" sz="2000" dirty="0" err="1" smtClean="0">
+                  <a:solidFill>
+                    <a:srgbClr val="3E4057"/>
+                  </a:solidFill>
+                  <a:latin typeface="Andale Mono" charset="0"/>
+                  <a:ea typeface="Andale Mono" charset="0"/>
+                  <a:cs typeface="Andale Mono" charset="0"/>
+                </a:rPr>
+                <a:t>arg</a:t>
+              </a:r>
+              <a:r>
+                <a:rPr lang="en-US" altLang="ja-JP" sz="2000" dirty="0" smtClean="0">
+                  <a:solidFill>
+                    <a:srgbClr val="3E4057"/>
+                  </a:solidFill>
+                  <a:latin typeface="Andale Mono" charset="0"/>
+                  <a:ea typeface="Andale Mono" charset="0"/>
+                  <a:cs typeface="Andale Mono" charset="0"/>
+                </a:rPr>
+                <a:t>;</a:t>
+              </a:r>
+              <a:endParaRPr lang="en-US" altLang="ja-JP" sz="2000" dirty="0">
                 <a:solidFill>
                   <a:srgbClr val="3E4057"/>
                 </a:solidFill>
@@ -17097,61 +17333,19 @@
             </a:p>
             <a:p>
               <a:r>
-                <a:rPr lang="en-US" altLang="ja-JP" sz="2000" dirty="0" smtClean="0">
-                  <a:solidFill>
-                    <a:srgbClr val="3E4057"/>
-                  </a:solidFill>
-                  <a:latin typeface="Andale Mono" charset="0"/>
-                  <a:ea typeface="Andale Mono" charset="0"/>
-                  <a:cs typeface="Andale Mono" charset="0"/>
-                </a:rPr>
-                <a:t>	</a:t>
-              </a:r>
-              <a:r>
-                <a:rPr lang="en-US" altLang="ja-JP" sz="2000" b="1" dirty="0" smtClean="0">
-                  <a:solidFill>
-                    <a:srgbClr val="3E4057"/>
-                  </a:solidFill>
-                  <a:latin typeface="Andale Mono" charset="0"/>
-                  <a:ea typeface="Andale Mono" charset="0"/>
-                  <a:cs typeface="Andale Mono" charset="0"/>
-                </a:rPr>
-                <a:t>return</a:t>
-              </a:r>
-              <a:r>
-                <a:rPr lang="en-US" altLang="ja-JP" sz="2000" dirty="0" smtClean="0">
-                  <a:solidFill>
-                    <a:srgbClr val="3E4057"/>
-                  </a:solidFill>
-                  <a:latin typeface="Andale Mono" charset="0"/>
-                  <a:ea typeface="Andale Mono" charset="0"/>
-                  <a:cs typeface="Andale Mono" charset="0"/>
-                </a:rPr>
-                <a:t> </a:t>
-              </a:r>
-              <a:r>
-                <a:rPr lang="en-US" altLang="ja-JP" sz="2000" dirty="0" err="1" smtClean="0">
-                  <a:solidFill>
-                    <a:srgbClr val="3E4057"/>
-                  </a:solidFill>
-                  <a:latin typeface="Andale Mono" charset="0"/>
-                  <a:ea typeface="Andale Mono" charset="0"/>
-                  <a:cs typeface="Andale Mono" charset="0"/>
-                </a:rPr>
-                <a:t>arg</a:t>
-              </a:r>
-              <a:r>
-                <a:rPr lang="en-US" altLang="ja-JP" sz="2000" dirty="0" smtClean="0">
-                  <a:solidFill>
-                    <a:srgbClr val="3E4057"/>
-                  </a:solidFill>
-                  <a:latin typeface="Andale Mono" charset="0"/>
-                  <a:ea typeface="Andale Mono" charset="0"/>
-                  <a:cs typeface="Andale Mono" charset="0"/>
-                </a:rPr>
-                <a:t>;</a:t>
-              </a:r>
-              <a:endParaRPr lang="en-US" altLang="ja-JP" sz="2000" dirty="0">
+                <a:rPr kumimoji="1" lang="en-US" altLang="ja-JP" sz="2000" smtClean="0">
+                  <a:solidFill>
+                    <a:srgbClr val="3E4057"/>
+                  </a:solidFill>
+                  <a:latin typeface="Andale Mono" charset="0"/>
+                  <a:ea typeface="Andale Mono" charset="0"/>
+                  <a:cs typeface="Andale Mono" charset="0"/>
+                </a:rPr>
+                <a:t>}</a:t>
+              </a:r>
+            </a:p>
+            <a:p>
+              <a:endParaRPr lang="en-US" altLang="ja-JP" sz="2000">
                 <a:solidFill>
                   <a:srgbClr val="3E4057"/>
                 </a:solidFill>
@@ -17170,29 +17364,6 @@
                   <a:ea typeface="Andale Mono" charset="0"/>
                   <a:cs typeface="Andale Mono" charset="0"/>
                 </a:rPr>
-                <a:t>}</a:t>
-              </a:r>
-            </a:p>
-            <a:p>
-              <a:endParaRPr lang="en-US" altLang="ja-JP" sz="2000">
-                <a:solidFill>
-                  <a:srgbClr val="3E4057"/>
-                </a:solidFill>
-                <a:latin typeface="Andale Mono" charset="0"/>
-                <a:ea typeface="Andale Mono" charset="0"/>
-                <a:cs typeface="Andale Mono" charset="0"/>
-              </a:endParaRPr>
-            </a:p>
-            <a:p>
-              <a:r>
-                <a:rPr kumimoji="1" lang="en-US" altLang="ja-JP" sz="2000" smtClean="0">
-                  <a:solidFill>
-                    <a:srgbClr val="3E4057"/>
-                  </a:solidFill>
-                  <a:latin typeface="Andale Mono" charset="0"/>
-                  <a:ea typeface="Andale Mono" charset="0"/>
-                  <a:cs typeface="Andale Mono" charset="0"/>
-                </a:rPr>
                 <a:t>echo</a:t>
               </a:r>
               <a:r>
@@ -17322,16 +17493,6 @@
                 </a:rPr>
                 <a:t>// NG!</a:t>
               </a:r>
-              <a:endParaRPr kumimoji="1" lang="en-US" altLang="ja-JP" sz="2000" smtClean="0">
-                <a:solidFill>
-                  <a:schemeClr val="accent6">
-                    <a:lumMod val="75000"/>
-                  </a:schemeClr>
-                </a:solidFill>
-                <a:latin typeface="Andale Mono" charset="0"/>
-                <a:ea typeface="Andale Mono" charset="0"/>
-                <a:cs typeface="Andale Mono" charset="0"/>
-              </a:endParaRPr>
             </a:p>
           </p:txBody>
         </p:sp>
@@ -17712,6 +17873,59 @@
               <a:t>7</a:t>
             </a:fld>
             <a:endParaRPr kumimoji="1" lang="ja-JP" altLang="en-US"/>
+          </a:p>
+        </p:txBody>
+      </p:sp>
+      <p:sp>
+        <p:nvSpPr>
+          <p:cNvPr id="9" name="対角する 2 つの角を丸めた四角形 8"/>
+          <p:cNvSpPr/>
+          <p:nvPr/>
+        </p:nvSpPr>
+        <p:spPr>
+          <a:xfrm>
+            <a:off x="7308304" y="2226751"/>
+            <a:ext cx="1378496" cy="432048"/>
+          </a:xfrm>
+          <a:prstGeom prst="round2DiagRect">
+            <a:avLst>
+              <a:gd name="adj1" fmla="val 41730"/>
+              <a:gd name="adj2" fmla="val 0"/>
+            </a:avLst>
+          </a:prstGeom>
+        </p:spPr>
+        <p:style>
+          <a:lnRef idx="2">
+            <a:schemeClr val="dk1"/>
+          </a:lnRef>
+          <a:fillRef idx="1">
+            <a:schemeClr val="lt1"/>
+          </a:fillRef>
+          <a:effectRef idx="0">
+            <a:schemeClr val="dk1"/>
+          </a:effectRef>
+          <a:fontRef idx="minor">
+            <a:schemeClr val="dk1"/>
+          </a:fontRef>
+        </p:style>
+        <p:txBody>
+          <a:bodyPr rtlCol="0" anchor="ctr"/>
+          <a:lstStyle/>
+          <a:p>
+            <a:pPr algn="ctr"/>
+            <a:r>
+              <a:rPr kumimoji="1" lang="en-US" altLang="ja-JP" sz="1400" smtClean="0">
+                <a:latin typeface="Meiryo" charset="-128"/>
+                <a:ea typeface="Meiryo" charset="-128"/>
+                <a:cs typeface="Meiryo" charset="-128"/>
+              </a:rPr>
+              <a:t>Sample 4</a:t>
+            </a:r>
+            <a:endParaRPr kumimoji="1" lang="ja-JP" altLang="en-US" sz="1400">
+              <a:latin typeface="Meiryo" charset="-128"/>
+              <a:ea typeface="Meiryo" charset="-128"/>
+              <a:cs typeface="Meiryo" charset="-128"/>
+            </a:endParaRPr>
           </a:p>
         </p:txBody>
       </p:sp>
@@ -17768,8 +17982,12 @@
           <a:lstStyle/>
           <a:p>
             <a:r>
+              <a:rPr lang="ja-JP" altLang="en-US"/>
+              <a:t>関数</a:t>
+            </a:r>
+            <a:r>
               <a:rPr lang="en-US" altLang="ja-JP"/>
-              <a:t>Generics </a:t>
+              <a:t> </a:t>
             </a:r>
             <a:r>
               <a:rPr lang="ja-JP" altLang="en-US" sz="2800"/>
@@ -17777,11 +17995,7 @@
             </a:r>
             <a:r>
               <a:rPr lang="en-US" altLang="ja-JP"/>
-              <a:t> </a:t>
-            </a:r>
-            <a:r>
-              <a:rPr lang="ja-JP" altLang="en-US"/>
-              <a:t>関数</a:t>
+              <a:t> Gnerics</a:t>
             </a:r>
             <a:endParaRPr kumimoji="1" lang="ja-JP" altLang="en-US" dirty="0"/>
           </a:p>
@@ -18179,18 +18393,7 @@
                   <a:ea typeface="Andale Mono" charset="0"/>
                   <a:cs typeface="Andale Mono" charset="0"/>
                 </a:rPr>
-                <a:t>(arg</a:t>
-              </a:r>
-              <a:r>
-                <a:rPr kumimoji="1" lang="en-US" altLang="ja-JP" sz="2000" smtClean="0">
-                  <a:solidFill>
-                    <a:srgbClr val="3E4057"/>
-                  </a:solidFill>
-                  <a:latin typeface="Andale Mono" charset="0"/>
-                  <a:ea typeface="Andale Mono" charset="0"/>
-                  <a:cs typeface="Andale Mono" charset="0"/>
-                </a:rPr>
-                <a:t>: </a:t>
+                <a:t>(arg: </a:t>
               </a:r>
               <a:r>
                 <a:rPr lang="en-US" altLang="ja-JP" sz="2000" b="1" smtClean="0">
@@ -18325,14 +18528,6 @@
                 </a:rPr>
                 <a:t>}</a:t>
               </a:r>
-              <a:endParaRPr kumimoji="1" lang="en-US" altLang="ja-JP" sz="2000" smtClean="0">
-                <a:solidFill>
-                  <a:srgbClr val="3E4057"/>
-                </a:solidFill>
-                <a:latin typeface="Andale Mono" charset="0"/>
-                <a:ea typeface="Andale Mono" charset="0"/>
-                <a:cs typeface="Andale Mono" charset="0"/>
-              </a:endParaRPr>
             </a:p>
           </p:txBody>
         </p:sp>
@@ -18421,14 +18616,6 @@
                 </a:rPr>
                 <a:t>3</a:t>
               </a:r>
-              <a:endParaRPr kumimoji="1" lang="en-US" altLang="ja-JP" sz="2000" smtClean="0">
-                <a:solidFill>
-                  <a:srgbClr val="3E4057"/>
-                </a:solidFill>
-                <a:latin typeface="Andale Mono" charset="0"/>
-                <a:ea typeface="Andale Mono" charset="0"/>
-                <a:cs typeface="Andale Mono" charset="0"/>
-              </a:endParaRPr>
             </a:p>
           </p:txBody>
         </p:sp>
@@ -18734,14 +18921,6 @@
                 </a:rPr>
                 <a:t>); // OK</a:t>
               </a:r>
-              <a:endParaRPr kumimoji="1" lang="en-US" altLang="ja-JP" sz="2000" smtClean="0">
-                <a:solidFill>
-                  <a:srgbClr val="3E4057"/>
-                </a:solidFill>
-                <a:latin typeface="Andale Mono" charset="0"/>
-                <a:ea typeface="Andale Mono" charset="0"/>
-                <a:cs typeface="Andale Mono" charset="0"/>
-              </a:endParaRPr>
             </a:p>
           </p:txBody>
         </p:sp>
@@ -19083,6 +19262,112 @@
               <a:t>8</a:t>
             </a:fld>
             <a:endParaRPr kumimoji="1" lang="ja-JP" altLang="en-US"/>
+          </a:p>
+        </p:txBody>
+      </p:sp>
+      <p:sp>
+        <p:nvSpPr>
+          <p:cNvPr id="14" name="対角する 2 つの角を丸めた四角形 13"/>
+          <p:cNvSpPr/>
+          <p:nvPr/>
+        </p:nvSpPr>
+        <p:spPr>
+          <a:xfrm>
+            <a:off x="7308304" y="2225056"/>
+            <a:ext cx="1378496" cy="432048"/>
+          </a:xfrm>
+          <a:prstGeom prst="round2DiagRect">
+            <a:avLst>
+              <a:gd name="adj1" fmla="val 41730"/>
+              <a:gd name="adj2" fmla="val 0"/>
+            </a:avLst>
+          </a:prstGeom>
+        </p:spPr>
+        <p:style>
+          <a:lnRef idx="2">
+            <a:schemeClr val="dk1"/>
+          </a:lnRef>
+          <a:fillRef idx="1">
+            <a:schemeClr val="lt1"/>
+          </a:fillRef>
+          <a:effectRef idx="0">
+            <a:schemeClr val="dk1"/>
+          </a:effectRef>
+          <a:fontRef idx="minor">
+            <a:schemeClr val="dk1"/>
+          </a:fontRef>
+        </p:style>
+        <p:txBody>
+          <a:bodyPr rtlCol="0" anchor="ctr"/>
+          <a:lstStyle/>
+          <a:p>
+            <a:pPr algn="ctr"/>
+            <a:r>
+              <a:rPr kumimoji="1" lang="en-US" altLang="ja-JP" sz="1400" smtClean="0">
+                <a:latin typeface="Meiryo" charset="-128"/>
+                <a:ea typeface="Meiryo" charset="-128"/>
+                <a:cs typeface="Meiryo" charset="-128"/>
+              </a:rPr>
+              <a:t>Sample 5</a:t>
+            </a:r>
+            <a:endParaRPr kumimoji="1" lang="ja-JP" altLang="en-US" sz="1400">
+              <a:latin typeface="Meiryo" charset="-128"/>
+              <a:ea typeface="Meiryo" charset="-128"/>
+              <a:cs typeface="Meiryo" charset="-128"/>
+            </a:endParaRPr>
+          </a:p>
+        </p:txBody>
+      </p:sp>
+      <p:sp>
+        <p:nvSpPr>
+          <p:cNvPr id="17" name="対角する 2 つの角を丸めた四角形 16"/>
+          <p:cNvSpPr/>
+          <p:nvPr/>
+        </p:nvSpPr>
+        <p:spPr>
+          <a:xfrm>
+            <a:off x="7308304" y="4562767"/>
+            <a:ext cx="1378496" cy="432048"/>
+          </a:xfrm>
+          <a:prstGeom prst="round2DiagRect">
+            <a:avLst>
+              <a:gd name="adj1" fmla="val 41730"/>
+              <a:gd name="adj2" fmla="val 0"/>
+            </a:avLst>
+          </a:prstGeom>
+        </p:spPr>
+        <p:style>
+          <a:lnRef idx="2">
+            <a:schemeClr val="dk1"/>
+          </a:lnRef>
+          <a:fillRef idx="1">
+            <a:schemeClr val="lt1"/>
+          </a:fillRef>
+          <a:effectRef idx="0">
+            <a:schemeClr val="dk1"/>
+          </a:effectRef>
+          <a:fontRef idx="minor">
+            <a:schemeClr val="dk1"/>
+          </a:fontRef>
+        </p:style>
+        <p:txBody>
+          <a:bodyPr rtlCol="0" anchor="ctr"/>
+          <a:lstStyle/>
+          <a:p>
+            <a:pPr algn="ctr"/>
+            <a:r>
+              <a:rPr kumimoji="1" lang="en-US" altLang="ja-JP" sz="1400" smtClean="0">
+                <a:latin typeface="Meiryo" charset="-128"/>
+                <a:ea typeface="Meiryo" charset="-128"/>
+                <a:cs typeface="Meiryo" charset="-128"/>
+              </a:rPr>
+              <a:t>Sample 5</a:t>
+            </a:r>
+            <a:endParaRPr kumimoji="1" lang="ja-JP" altLang="en-US" sz="1400">
+              <a:latin typeface="Meiryo" charset="-128"/>
+              <a:ea typeface="Meiryo" charset="-128"/>
+              <a:cs typeface="Meiryo" charset="-128"/>
+            </a:endParaRPr>
           </a:p>
         </p:txBody>
       </p:sp>
@@ -19938,14 +20223,6 @@
                 </a:rPr>
                 <a:t>15</a:t>
               </a:r>
-              <a:endParaRPr kumimoji="1" lang="en-US" altLang="ja-JP" sz="2000" smtClean="0">
-                <a:solidFill>
-                  <a:srgbClr val="3E4057"/>
-                </a:solidFill>
-                <a:latin typeface="Andale Mono" charset="0"/>
-                <a:ea typeface="Andale Mono" charset="0"/>
-                <a:cs typeface="Andale Mono" charset="0"/>
-              </a:endParaRPr>
             </a:p>
           </p:txBody>
         </p:sp>
@@ -20064,6 +20341,59 @@
               <a:t>9</a:t>
             </a:fld>
             <a:endParaRPr kumimoji="1" lang="ja-JP" altLang="en-US"/>
+          </a:p>
+        </p:txBody>
+      </p:sp>
+      <p:sp>
+        <p:nvSpPr>
+          <p:cNvPr id="8" name="対角する 2 つの角を丸めた四角形 7"/>
+          <p:cNvSpPr/>
+          <p:nvPr/>
+        </p:nvSpPr>
+        <p:spPr>
+          <a:xfrm>
+            <a:off x="7308304" y="1417638"/>
+            <a:ext cx="1378496" cy="432048"/>
+          </a:xfrm>
+          <a:prstGeom prst="round2DiagRect">
+            <a:avLst>
+              <a:gd name="adj1" fmla="val 41730"/>
+              <a:gd name="adj2" fmla="val 0"/>
+            </a:avLst>
+          </a:prstGeom>
+        </p:spPr>
+        <p:style>
+          <a:lnRef idx="2">
+            <a:schemeClr val="dk1"/>
+          </a:lnRef>
+          <a:fillRef idx="1">
+            <a:schemeClr val="lt1"/>
+          </a:fillRef>
+          <a:effectRef idx="0">
+            <a:schemeClr val="dk1"/>
+          </a:effectRef>
+          <a:fontRef idx="minor">
+            <a:schemeClr val="dk1"/>
+          </a:fontRef>
+        </p:style>
+        <p:txBody>
+          <a:bodyPr rtlCol="0" anchor="ctr"/>
+          <a:lstStyle/>
+          <a:p>
+            <a:pPr algn="ctr"/>
+            <a:r>
+              <a:rPr kumimoji="1" lang="en-US" altLang="ja-JP" sz="1400" smtClean="0">
+                <a:latin typeface="Meiryo" charset="-128"/>
+                <a:ea typeface="Meiryo" charset="-128"/>
+                <a:cs typeface="Meiryo" charset="-128"/>
+              </a:rPr>
+              <a:t>Sample 6</a:t>
+            </a:r>
+            <a:endParaRPr kumimoji="1" lang="ja-JP" altLang="en-US" sz="1400">
+              <a:latin typeface="Meiryo" charset="-128"/>
+              <a:ea typeface="Meiryo" charset="-128"/>
+              <a:cs typeface="Meiryo" charset="-128"/>
+            </a:endParaRPr>
           </a:p>
         </p:txBody>
       </p:sp>

--- a/typescript/typescript_generics.pptx
+++ b/typescript/typescript_generics.pptx
@@ -12544,7 +12544,7 @@
             </a:r>
             <a:r>
               <a:rPr lang="ja-JP" altLang="en-US" smtClean="0"/>
-              <a:t>イメージ</a:t>
+              <a:t>概要</a:t>
             </a:r>
             <a:endParaRPr kumimoji="1" lang="ja-JP" altLang="en-US"/>
           </a:p>
@@ -12558,7 +12558,7 @@
         </p:nvSpPr>
         <p:spPr>
           <a:xfrm>
-            <a:off x="3275856" y="2564904"/>
+            <a:off x="3275856" y="3255644"/>
             <a:ext cx="2736304" cy="2592288"/>
           </a:xfrm>
           <a:prstGeom prst="roundRect">
@@ -12697,7 +12697,7 @@
         </p:nvGrpSpPr>
         <p:grpSpPr>
           <a:xfrm>
-            <a:off x="5052956" y="4116444"/>
+            <a:off x="5052956" y="4807184"/>
             <a:ext cx="1150975" cy="1286112"/>
             <a:chOff x="5052956" y="4116444"/>
             <a:chExt cx="1150975" cy="1286112"/>
@@ -12804,7 +12804,7 @@
         </p:nvGrpSpPr>
         <p:grpSpPr>
           <a:xfrm rot="11002736">
-            <a:off x="3024084" y="2237665"/>
+            <a:off x="3024084" y="2928405"/>
             <a:ext cx="1150975" cy="1286112"/>
             <a:chOff x="5052956" y="4116444"/>
             <a:chExt cx="1150975" cy="1286112"/>
@@ -12911,7 +12911,7 @@
         </p:nvCxnSpPr>
         <p:spPr>
           <a:xfrm>
-            <a:off x="1894510" y="2708920"/>
+            <a:off x="1894510" y="3399660"/>
             <a:ext cx="1237330" cy="836293"/>
           </a:xfrm>
           <a:prstGeom prst="straightConnector1">
@@ -12947,7 +12947,7 @@
         </p:nvCxnSpPr>
         <p:spPr>
           <a:xfrm flipV="1">
-            <a:off x="1894510" y="4005064"/>
+            <a:off x="1894510" y="4695804"/>
             <a:ext cx="1237330" cy="144016"/>
           </a:xfrm>
           <a:prstGeom prst="straightConnector1">
@@ -12983,7 +12983,7 @@
         </p:nvCxnSpPr>
         <p:spPr>
           <a:xfrm>
-            <a:off x="1894510" y="3446644"/>
+            <a:off x="1894510" y="4137384"/>
             <a:ext cx="1237330" cy="342396"/>
           </a:xfrm>
           <a:prstGeom prst="straightConnector1">
@@ -13023,7 +13023,7 @@
         </p:nvSpPr>
         <p:spPr>
           <a:xfrm>
-            <a:off x="380550" y="2509424"/>
+            <a:off x="380550" y="3200164"/>
             <a:ext cx="1738536" cy="2647767"/>
           </a:xfrm>
         </p:spPr>
@@ -13108,7 +13108,7 @@
         </p:nvCxnSpPr>
         <p:spPr>
           <a:xfrm flipV="1">
-            <a:off x="1894510" y="4149080"/>
+            <a:off x="1894510" y="4839820"/>
             <a:ext cx="1237330" cy="720080"/>
           </a:xfrm>
           <a:prstGeom prst="straightConnector1">
@@ -13146,7 +13146,7 @@
         </p:nvSpPr>
         <p:spPr>
           <a:xfrm>
-            <a:off x="380550" y="1785954"/>
+            <a:off x="380550" y="2476694"/>
             <a:ext cx="1738536" cy="496789"/>
           </a:xfrm>
           <a:prstGeom prst="rect">
@@ -13307,213 +13307,228 @@
           </a:p>
         </p:txBody>
       </p:sp>
-      <p:sp>
-        <p:nvSpPr>
-          <p:cNvPr id="50" name="コンテンツ プレースホルダー 2"/>
-          <p:cNvSpPr txBox="1">
-            <a:spLocks/>
-          </p:cNvSpPr>
+      <p:grpSp>
+        <p:nvGrpSpPr>
+          <p:cNvPr id="3" name="図形グループ 2"/>
+          <p:cNvGrpSpPr/>
           <p:nvPr/>
-        </p:nvSpPr>
-        <p:spPr>
+        </p:nvGrpSpPr>
+        <p:grpSpPr>
           <a:xfrm>
-            <a:off x="7040908" y="3552096"/>
-            <a:ext cx="1738536" cy="496789"/>
+            <a:off x="6291392" y="4242836"/>
+            <a:ext cx="2488052" cy="496789"/>
+            <a:chOff x="6291392" y="3552096"/>
+            <a:chExt cx="2488052" cy="496789"/>
           </a:xfrm>
-          <a:prstGeom prst="rect">
-            <a:avLst/>
-          </a:prstGeom>
-        </p:spPr>
-        <p:txBody>
-          <a:bodyPr vert="horz" lIns="91440" tIns="45720" rIns="91440" bIns="45720" rtlCol="0" anchor="ctr">
-            <a:normAutofit/>
-          </a:bodyPr>
-          <a:lstStyle>
-            <a:lvl1pPr marL="342900" indent="-342900" algn="l" defTabSz="914400" rtl="0" eaLnBrk="1" latinLnBrk="0" hangingPunct="1">
-              <a:spcBef>
-                <a:spcPct val="20000"/>
-              </a:spcBef>
-              <a:buFont typeface="Arial" panose="020B0604020202020204" pitchFamily="34" charset="0"/>
-              <a:buChar char="•"/>
-              <a:defRPr kumimoji="1" sz="3200" kern="1200">
-                <a:solidFill>
-                  <a:srgbClr val="3E4057"/>
-                </a:solidFill>
-                <a:latin typeface="メイリオ" panose="020B0604030504040204" pitchFamily="50" charset="-128"/>
-                <a:ea typeface="メイリオ" panose="020B0604030504040204" pitchFamily="50" charset="-128"/>
-                <a:cs typeface="メイリオ" panose="020B0604030504040204" pitchFamily="50" charset="-128"/>
-              </a:defRPr>
-            </a:lvl1pPr>
-            <a:lvl2pPr marL="742950" indent="-285750" algn="l" defTabSz="914400" rtl="0" eaLnBrk="1" latinLnBrk="0" hangingPunct="1">
-              <a:spcBef>
-                <a:spcPct val="20000"/>
-              </a:spcBef>
-              <a:buFont typeface="Arial" panose="020B0604020202020204" pitchFamily="34" charset="0"/>
-              <a:buChar char="–"/>
-              <a:defRPr kumimoji="1" sz="2800" kern="1200">
-                <a:solidFill>
-                  <a:srgbClr val="3E4057"/>
-                </a:solidFill>
-                <a:latin typeface="メイリオ" panose="020B0604030504040204" pitchFamily="50" charset="-128"/>
-                <a:ea typeface="メイリオ" panose="020B0604030504040204" pitchFamily="50" charset="-128"/>
-                <a:cs typeface="メイリオ" panose="020B0604030504040204" pitchFamily="50" charset="-128"/>
-              </a:defRPr>
-            </a:lvl2pPr>
-            <a:lvl3pPr marL="1143000" indent="-228600" algn="l" defTabSz="914400" rtl="0" eaLnBrk="1" latinLnBrk="0" hangingPunct="1">
-              <a:spcBef>
-                <a:spcPct val="20000"/>
-              </a:spcBef>
-              <a:buFont typeface="Arial" panose="020B0604020202020204" pitchFamily="34" charset="0"/>
-              <a:buChar char="•"/>
-              <a:defRPr kumimoji="1" sz="2400" kern="1200">
-                <a:solidFill>
-                  <a:srgbClr val="3E4057"/>
-                </a:solidFill>
-                <a:latin typeface="メイリオ" panose="020B0604030504040204" pitchFamily="50" charset="-128"/>
-                <a:ea typeface="メイリオ" panose="020B0604030504040204" pitchFamily="50" charset="-128"/>
-                <a:cs typeface="メイリオ" panose="020B0604030504040204" pitchFamily="50" charset="-128"/>
-              </a:defRPr>
-            </a:lvl3pPr>
-            <a:lvl4pPr marL="1600200" indent="-228600" algn="l" defTabSz="914400" rtl="0" eaLnBrk="1" latinLnBrk="0" hangingPunct="1">
-              <a:spcBef>
-                <a:spcPct val="20000"/>
-              </a:spcBef>
-              <a:buFont typeface="Arial" panose="020B0604020202020204" pitchFamily="34" charset="0"/>
-              <a:buChar char="–"/>
-              <a:defRPr kumimoji="1" sz="2000" kern="1200">
-                <a:solidFill>
-                  <a:srgbClr val="3E4057"/>
-                </a:solidFill>
-                <a:latin typeface="メイリオ" panose="020B0604030504040204" pitchFamily="50" charset="-128"/>
-                <a:ea typeface="メイリオ" panose="020B0604030504040204" pitchFamily="50" charset="-128"/>
-                <a:cs typeface="メイリオ" panose="020B0604030504040204" pitchFamily="50" charset="-128"/>
-              </a:defRPr>
-            </a:lvl4pPr>
-            <a:lvl5pPr marL="2057400" indent="-228600" algn="l" defTabSz="914400" rtl="0" eaLnBrk="1" latinLnBrk="0" hangingPunct="1">
-              <a:spcBef>
-                <a:spcPct val="20000"/>
-              </a:spcBef>
-              <a:buFont typeface="Arial" panose="020B0604020202020204" pitchFamily="34" charset="0"/>
-              <a:buChar char="»"/>
-              <a:defRPr kumimoji="1" sz="2000" kern="1200">
-                <a:solidFill>
-                  <a:srgbClr val="3E4057"/>
-                </a:solidFill>
-                <a:latin typeface="メイリオ" panose="020B0604030504040204" pitchFamily="50" charset="-128"/>
-                <a:ea typeface="メイリオ" panose="020B0604030504040204" pitchFamily="50" charset="-128"/>
-                <a:cs typeface="メイリオ" panose="020B0604030504040204" pitchFamily="50" charset="-128"/>
-              </a:defRPr>
-            </a:lvl5pPr>
-            <a:lvl6pPr marL="2514600" indent="-228600" algn="l" defTabSz="914400" rtl="0" eaLnBrk="1" latinLnBrk="0" hangingPunct="1">
-              <a:spcBef>
-                <a:spcPct val="20000"/>
-              </a:spcBef>
-              <a:buFont typeface="Arial" panose="020B0604020202020204" pitchFamily="34" charset="0"/>
-              <a:buChar char="•"/>
-              <a:defRPr kumimoji="1" sz="2000" kern="1200">
-                <a:solidFill>
-                  <a:schemeClr val="tx1"/>
-                </a:solidFill>
-                <a:latin typeface="+mn-lt"/>
-                <a:ea typeface="+mn-ea"/>
-                <a:cs typeface="+mn-cs"/>
-              </a:defRPr>
-            </a:lvl6pPr>
-            <a:lvl7pPr marL="2971800" indent="-228600" algn="l" defTabSz="914400" rtl="0" eaLnBrk="1" latinLnBrk="0" hangingPunct="1">
-              <a:spcBef>
-                <a:spcPct val="20000"/>
-              </a:spcBef>
-              <a:buFont typeface="Arial" panose="020B0604020202020204" pitchFamily="34" charset="0"/>
-              <a:buChar char="•"/>
-              <a:defRPr kumimoji="1" sz="2000" kern="1200">
-                <a:solidFill>
-                  <a:schemeClr val="tx1"/>
-                </a:solidFill>
-                <a:latin typeface="+mn-lt"/>
-                <a:ea typeface="+mn-ea"/>
-                <a:cs typeface="+mn-cs"/>
-              </a:defRPr>
-            </a:lvl7pPr>
-            <a:lvl8pPr marL="3429000" indent="-228600" algn="l" defTabSz="914400" rtl="0" eaLnBrk="1" latinLnBrk="0" hangingPunct="1">
-              <a:spcBef>
-                <a:spcPct val="20000"/>
-              </a:spcBef>
-              <a:buFont typeface="Arial" panose="020B0604020202020204" pitchFamily="34" charset="0"/>
-              <a:buChar char="•"/>
-              <a:defRPr kumimoji="1" sz="2000" kern="1200">
-                <a:solidFill>
-                  <a:schemeClr val="tx1"/>
-                </a:solidFill>
-                <a:latin typeface="+mn-lt"/>
-                <a:ea typeface="+mn-ea"/>
-                <a:cs typeface="+mn-cs"/>
-              </a:defRPr>
-            </a:lvl8pPr>
-            <a:lvl9pPr marL="3886200" indent="-228600" algn="l" defTabSz="914400" rtl="0" eaLnBrk="1" latinLnBrk="0" hangingPunct="1">
-              <a:spcBef>
-                <a:spcPct val="20000"/>
-              </a:spcBef>
-              <a:buFont typeface="Arial" panose="020B0604020202020204" pitchFamily="34" charset="0"/>
-              <a:buChar char="•"/>
-              <a:defRPr kumimoji="1" sz="2000" kern="1200">
-                <a:solidFill>
-                  <a:schemeClr val="tx1"/>
-                </a:solidFill>
-                <a:latin typeface="+mn-lt"/>
-                <a:ea typeface="+mn-ea"/>
-                <a:cs typeface="+mn-cs"/>
-              </a:defRPr>
-            </a:lvl9pPr>
-          </a:lstStyle>
-          <a:p>
-            <a:pPr marL="0" indent="0" algn="ctr">
-              <a:buFont typeface="Arial" panose="020B0604020202020204" pitchFamily="34" charset="0"/>
-              <a:buNone/>
-            </a:pPr>
-            <a:r>
-              <a:rPr lang="ja-JP" altLang="en-US" sz="2000" smtClean="0"/>
-              <a:t>出力</a:t>
-            </a:r>
-            <a:endParaRPr lang="en-US" altLang="ja-JP" sz="2000"/>
-          </a:p>
-        </p:txBody>
-      </p:sp>
-      <p:cxnSp>
-        <p:nvCxnSpPr>
-          <p:cNvPr id="51" name="直線矢印コネクタ 50"/>
-          <p:cNvCxnSpPr/>
-          <p:nvPr/>
-        </p:nvCxnSpPr>
-        <p:spPr>
-          <a:xfrm>
-            <a:off x="6291392" y="3789040"/>
-            <a:ext cx="1016912" cy="0"/>
-          </a:xfrm>
-          <a:prstGeom prst="straightConnector1">
-            <a:avLst/>
-          </a:prstGeom>
-          <a:ln w="38100">
-            <a:solidFill>
-              <a:srgbClr val="3E4057"/>
-            </a:solidFill>
-            <a:tailEnd type="triangle"/>
-          </a:ln>
-        </p:spPr>
-        <p:style>
-          <a:lnRef idx="1">
-            <a:schemeClr val="accent1"/>
-          </a:lnRef>
-          <a:fillRef idx="0">
-            <a:schemeClr val="accent1"/>
-          </a:fillRef>
-          <a:effectRef idx="0">
-            <a:schemeClr val="accent1"/>
-          </a:effectRef>
-          <a:fontRef idx="minor">
-            <a:schemeClr val="tx1"/>
-          </a:fontRef>
-        </p:style>
-      </p:cxnSp>
+        </p:grpSpPr>
+        <p:sp>
+          <p:nvSpPr>
+            <p:cNvPr id="50" name="コンテンツ プレースホルダー 2"/>
+            <p:cNvSpPr txBox="1">
+              <a:spLocks/>
+            </p:cNvSpPr>
+            <p:nvPr/>
+          </p:nvSpPr>
+          <p:spPr>
+            <a:xfrm>
+              <a:off x="7040908" y="3552096"/>
+              <a:ext cx="1738536" cy="496789"/>
+            </a:xfrm>
+            <a:prstGeom prst="rect">
+              <a:avLst/>
+            </a:prstGeom>
+          </p:spPr>
+          <p:txBody>
+            <a:bodyPr vert="horz" lIns="91440" tIns="45720" rIns="91440" bIns="45720" rtlCol="0" anchor="ctr">
+              <a:normAutofit/>
+            </a:bodyPr>
+            <a:lstStyle>
+              <a:lvl1pPr marL="342900" indent="-342900" algn="l" defTabSz="914400" rtl="0" eaLnBrk="1" latinLnBrk="0" hangingPunct="1">
+                <a:spcBef>
+                  <a:spcPct val="20000"/>
+                </a:spcBef>
+                <a:buFont typeface="Arial" panose="020B0604020202020204" pitchFamily="34" charset="0"/>
+                <a:buChar char="•"/>
+                <a:defRPr kumimoji="1" sz="3200" kern="1200">
+                  <a:solidFill>
+                    <a:srgbClr val="3E4057"/>
+                  </a:solidFill>
+                  <a:latin typeface="メイリオ" panose="020B0604030504040204" pitchFamily="50" charset="-128"/>
+                  <a:ea typeface="メイリオ" panose="020B0604030504040204" pitchFamily="50" charset="-128"/>
+                  <a:cs typeface="メイリオ" panose="020B0604030504040204" pitchFamily="50" charset="-128"/>
+                </a:defRPr>
+              </a:lvl1pPr>
+              <a:lvl2pPr marL="742950" indent="-285750" algn="l" defTabSz="914400" rtl="0" eaLnBrk="1" latinLnBrk="0" hangingPunct="1">
+                <a:spcBef>
+                  <a:spcPct val="20000"/>
+                </a:spcBef>
+                <a:buFont typeface="Arial" panose="020B0604020202020204" pitchFamily="34" charset="0"/>
+                <a:buChar char="–"/>
+                <a:defRPr kumimoji="1" sz="2800" kern="1200">
+                  <a:solidFill>
+                    <a:srgbClr val="3E4057"/>
+                  </a:solidFill>
+                  <a:latin typeface="メイリオ" panose="020B0604030504040204" pitchFamily="50" charset="-128"/>
+                  <a:ea typeface="メイリオ" panose="020B0604030504040204" pitchFamily="50" charset="-128"/>
+                  <a:cs typeface="メイリオ" panose="020B0604030504040204" pitchFamily="50" charset="-128"/>
+                </a:defRPr>
+              </a:lvl2pPr>
+              <a:lvl3pPr marL="1143000" indent="-228600" algn="l" defTabSz="914400" rtl="0" eaLnBrk="1" latinLnBrk="0" hangingPunct="1">
+                <a:spcBef>
+                  <a:spcPct val="20000"/>
+                </a:spcBef>
+                <a:buFont typeface="Arial" panose="020B0604020202020204" pitchFamily="34" charset="0"/>
+                <a:buChar char="•"/>
+                <a:defRPr kumimoji="1" sz="2400" kern="1200">
+                  <a:solidFill>
+                    <a:srgbClr val="3E4057"/>
+                  </a:solidFill>
+                  <a:latin typeface="メイリオ" panose="020B0604030504040204" pitchFamily="50" charset="-128"/>
+                  <a:ea typeface="メイリオ" panose="020B0604030504040204" pitchFamily="50" charset="-128"/>
+                  <a:cs typeface="メイリオ" panose="020B0604030504040204" pitchFamily="50" charset="-128"/>
+                </a:defRPr>
+              </a:lvl3pPr>
+              <a:lvl4pPr marL="1600200" indent="-228600" algn="l" defTabSz="914400" rtl="0" eaLnBrk="1" latinLnBrk="0" hangingPunct="1">
+                <a:spcBef>
+                  <a:spcPct val="20000"/>
+                </a:spcBef>
+                <a:buFont typeface="Arial" panose="020B0604020202020204" pitchFamily="34" charset="0"/>
+                <a:buChar char="–"/>
+                <a:defRPr kumimoji="1" sz="2000" kern="1200">
+                  <a:solidFill>
+                    <a:srgbClr val="3E4057"/>
+                  </a:solidFill>
+                  <a:latin typeface="メイリオ" panose="020B0604030504040204" pitchFamily="50" charset="-128"/>
+                  <a:ea typeface="メイリオ" panose="020B0604030504040204" pitchFamily="50" charset="-128"/>
+                  <a:cs typeface="メイリオ" panose="020B0604030504040204" pitchFamily="50" charset="-128"/>
+                </a:defRPr>
+              </a:lvl4pPr>
+              <a:lvl5pPr marL="2057400" indent="-228600" algn="l" defTabSz="914400" rtl="0" eaLnBrk="1" latinLnBrk="0" hangingPunct="1">
+                <a:spcBef>
+                  <a:spcPct val="20000"/>
+                </a:spcBef>
+                <a:buFont typeface="Arial" panose="020B0604020202020204" pitchFamily="34" charset="0"/>
+                <a:buChar char="»"/>
+                <a:defRPr kumimoji="1" sz="2000" kern="1200">
+                  <a:solidFill>
+                    <a:srgbClr val="3E4057"/>
+                  </a:solidFill>
+                  <a:latin typeface="メイリオ" panose="020B0604030504040204" pitchFamily="50" charset="-128"/>
+                  <a:ea typeface="メイリオ" panose="020B0604030504040204" pitchFamily="50" charset="-128"/>
+                  <a:cs typeface="メイリオ" panose="020B0604030504040204" pitchFamily="50" charset="-128"/>
+                </a:defRPr>
+              </a:lvl5pPr>
+              <a:lvl6pPr marL="2514600" indent="-228600" algn="l" defTabSz="914400" rtl="0" eaLnBrk="1" latinLnBrk="0" hangingPunct="1">
+                <a:spcBef>
+                  <a:spcPct val="20000"/>
+                </a:spcBef>
+                <a:buFont typeface="Arial" panose="020B0604020202020204" pitchFamily="34" charset="0"/>
+                <a:buChar char="•"/>
+                <a:defRPr kumimoji="1" sz="2000" kern="1200">
+                  <a:solidFill>
+                    <a:schemeClr val="tx1"/>
+                  </a:solidFill>
+                  <a:latin typeface="+mn-lt"/>
+                  <a:ea typeface="+mn-ea"/>
+                  <a:cs typeface="+mn-cs"/>
+                </a:defRPr>
+              </a:lvl6pPr>
+              <a:lvl7pPr marL="2971800" indent="-228600" algn="l" defTabSz="914400" rtl="0" eaLnBrk="1" latinLnBrk="0" hangingPunct="1">
+                <a:spcBef>
+                  <a:spcPct val="20000"/>
+                </a:spcBef>
+                <a:buFont typeface="Arial" panose="020B0604020202020204" pitchFamily="34" charset="0"/>
+                <a:buChar char="•"/>
+                <a:defRPr kumimoji="1" sz="2000" kern="1200">
+                  <a:solidFill>
+                    <a:schemeClr val="tx1"/>
+                  </a:solidFill>
+                  <a:latin typeface="+mn-lt"/>
+                  <a:ea typeface="+mn-ea"/>
+                  <a:cs typeface="+mn-cs"/>
+                </a:defRPr>
+              </a:lvl7pPr>
+              <a:lvl8pPr marL="3429000" indent="-228600" algn="l" defTabSz="914400" rtl="0" eaLnBrk="1" latinLnBrk="0" hangingPunct="1">
+                <a:spcBef>
+                  <a:spcPct val="20000"/>
+                </a:spcBef>
+                <a:buFont typeface="Arial" panose="020B0604020202020204" pitchFamily="34" charset="0"/>
+                <a:buChar char="•"/>
+                <a:defRPr kumimoji="1" sz="2000" kern="1200">
+                  <a:solidFill>
+                    <a:schemeClr val="tx1"/>
+                  </a:solidFill>
+                  <a:latin typeface="+mn-lt"/>
+                  <a:ea typeface="+mn-ea"/>
+                  <a:cs typeface="+mn-cs"/>
+                </a:defRPr>
+              </a:lvl8pPr>
+              <a:lvl9pPr marL="3886200" indent="-228600" algn="l" defTabSz="914400" rtl="0" eaLnBrk="1" latinLnBrk="0" hangingPunct="1">
+                <a:spcBef>
+                  <a:spcPct val="20000"/>
+                </a:spcBef>
+                <a:buFont typeface="Arial" panose="020B0604020202020204" pitchFamily="34" charset="0"/>
+                <a:buChar char="•"/>
+                <a:defRPr kumimoji="1" sz="2000" kern="1200">
+                  <a:solidFill>
+                    <a:schemeClr val="tx1"/>
+                  </a:solidFill>
+                  <a:latin typeface="+mn-lt"/>
+                  <a:ea typeface="+mn-ea"/>
+                  <a:cs typeface="+mn-cs"/>
+                </a:defRPr>
+              </a:lvl9pPr>
+            </a:lstStyle>
+            <a:p>
+              <a:pPr marL="0" indent="0" algn="ctr">
+                <a:buFont typeface="Arial" panose="020B0604020202020204" pitchFamily="34" charset="0"/>
+                <a:buNone/>
+              </a:pPr>
+              <a:r>
+                <a:rPr lang="ja-JP" altLang="en-US" sz="2000" smtClean="0"/>
+                <a:t>出力</a:t>
+              </a:r>
+              <a:endParaRPr lang="en-US" altLang="ja-JP" sz="2000"/>
+            </a:p>
+          </p:txBody>
+        </p:sp>
+        <p:cxnSp>
+          <p:nvCxnSpPr>
+            <p:cNvPr id="51" name="直線矢印コネクタ 50"/>
+            <p:cNvCxnSpPr/>
+            <p:nvPr/>
+          </p:nvCxnSpPr>
+          <p:spPr>
+            <a:xfrm>
+              <a:off x="6291392" y="3789040"/>
+              <a:ext cx="1016912" cy="0"/>
+            </a:xfrm>
+            <a:prstGeom prst="straightConnector1">
+              <a:avLst/>
+            </a:prstGeom>
+            <a:ln w="38100">
+              <a:solidFill>
+                <a:srgbClr val="3E4057"/>
+              </a:solidFill>
+              <a:tailEnd type="triangle"/>
+            </a:ln>
+          </p:spPr>
+          <p:style>
+            <a:lnRef idx="1">
+              <a:schemeClr val="accent1"/>
+            </a:lnRef>
+            <a:fillRef idx="0">
+              <a:schemeClr val="accent1"/>
+            </a:fillRef>
+            <a:effectRef idx="0">
+              <a:schemeClr val="accent1"/>
+            </a:effectRef>
+            <a:fontRef idx="minor">
+              <a:schemeClr val="tx1"/>
+            </a:fontRef>
+          </p:style>
+        </p:cxnSp>
+      </p:grpSp>
       <p:sp>
         <p:nvSpPr>
           <p:cNvPr id="54" name="スライド番号プレースホルダー 53"/>
@@ -13534,6 +13549,188 @@
               <a:t>2</a:t>
             </a:fld>
             <a:endParaRPr kumimoji="1" lang="ja-JP" altLang="en-US"/>
+          </a:p>
+        </p:txBody>
+      </p:sp>
+      <p:sp>
+        <p:nvSpPr>
+          <p:cNvPr id="22" name="コンテンツ プレースホルダー 2"/>
+          <p:cNvSpPr txBox="1">
+            <a:spLocks/>
+          </p:cNvSpPr>
+          <p:nvPr/>
+        </p:nvSpPr>
+        <p:spPr>
+          <a:xfrm>
+            <a:off x="457200" y="1600200"/>
+            <a:ext cx="8229600" cy="750119"/>
+          </a:xfrm>
+          <a:prstGeom prst="rect">
+            <a:avLst/>
+          </a:prstGeom>
+        </p:spPr>
+        <p:txBody>
+          <a:bodyPr vert="horz" lIns="91440" tIns="45720" rIns="91440" bIns="45720" rtlCol="0" anchor="ctr">
+            <a:normAutofit fontScale="92500" lnSpcReduction="20000"/>
+          </a:bodyPr>
+          <a:lstStyle>
+            <a:lvl1pPr marL="342900" indent="-342900" algn="l" defTabSz="914400" rtl="0" eaLnBrk="1" latinLnBrk="0" hangingPunct="1">
+              <a:spcBef>
+                <a:spcPct val="20000"/>
+              </a:spcBef>
+              <a:buFont typeface="Arial" panose="020B0604020202020204" pitchFamily="34" charset="0"/>
+              <a:buChar char="•"/>
+              <a:defRPr kumimoji="1" sz="3200" kern="1200">
+                <a:solidFill>
+                  <a:srgbClr val="3E4057"/>
+                </a:solidFill>
+                <a:latin typeface="メイリオ" panose="020B0604030504040204" pitchFamily="50" charset="-128"/>
+                <a:ea typeface="メイリオ" panose="020B0604030504040204" pitchFamily="50" charset="-128"/>
+                <a:cs typeface="メイリオ" panose="020B0604030504040204" pitchFamily="50" charset="-128"/>
+              </a:defRPr>
+            </a:lvl1pPr>
+            <a:lvl2pPr marL="742950" indent="-285750" algn="l" defTabSz="914400" rtl="0" eaLnBrk="1" latinLnBrk="0" hangingPunct="1">
+              <a:spcBef>
+                <a:spcPct val="20000"/>
+              </a:spcBef>
+              <a:buFont typeface="Arial" panose="020B0604020202020204" pitchFamily="34" charset="0"/>
+              <a:buChar char="–"/>
+              <a:defRPr kumimoji="1" sz="2800" kern="1200">
+                <a:solidFill>
+                  <a:srgbClr val="3E4057"/>
+                </a:solidFill>
+                <a:latin typeface="メイリオ" panose="020B0604030504040204" pitchFamily="50" charset="-128"/>
+                <a:ea typeface="メイリオ" panose="020B0604030504040204" pitchFamily="50" charset="-128"/>
+                <a:cs typeface="メイリオ" panose="020B0604030504040204" pitchFamily="50" charset="-128"/>
+              </a:defRPr>
+            </a:lvl2pPr>
+            <a:lvl3pPr marL="1143000" indent="-228600" algn="l" defTabSz="914400" rtl="0" eaLnBrk="1" latinLnBrk="0" hangingPunct="1">
+              <a:spcBef>
+                <a:spcPct val="20000"/>
+              </a:spcBef>
+              <a:buFont typeface="Arial" panose="020B0604020202020204" pitchFamily="34" charset="0"/>
+              <a:buChar char="•"/>
+              <a:defRPr kumimoji="1" sz="2400" kern="1200">
+                <a:solidFill>
+                  <a:srgbClr val="3E4057"/>
+                </a:solidFill>
+                <a:latin typeface="メイリオ" panose="020B0604030504040204" pitchFamily="50" charset="-128"/>
+                <a:ea typeface="メイリオ" panose="020B0604030504040204" pitchFamily="50" charset="-128"/>
+                <a:cs typeface="メイリオ" panose="020B0604030504040204" pitchFamily="50" charset="-128"/>
+              </a:defRPr>
+            </a:lvl3pPr>
+            <a:lvl4pPr marL="1600200" indent="-228600" algn="l" defTabSz="914400" rtl="0" eaLnBrk="1" latinLnBrk="0" hangingPunct="1">
+              <a:spcBef>
+                <a:spcPct val="20000"/>
+              </a:spcBef>
+              <a:buFont typeface="Arial" panose="020B0604020202020204" pitchFamily="34" charset="0"/>
+              <a:buChar char="–"/>
+              <a:defRPr kumimoji="1" sz="2000" kern="1200">
+                <a:solidFill>
+                  <a:srgbClr val="3E4057"/>
+                </a:solidFill>
+                <a:latin typeface="メイリオ" panose="020B0604030504040204" pitchFamily="50" charset="-128"/>
+                <a:ea typeface="メイリオ" panose="020B0604030504040204" pitchFamily="50" charset="-128"/>
+                <a:cs typeface="メイリオ" panose="020B0604030504040204" pitchFamily="50" charset="-128"/>
+              </a:defRPr>
+            </a:lvl4pPr>
+            <a:lvl5pPr marL="2057400" indent="-228600" algn="l" defTabSz="914400" rtl="0" eaLnBrk="1" latinLnBrk="0" hangingPunct="1">
+              <a:spcBef>
+                <a:spcPct val="20000"/>
+              </a:spcBef>
+              <a:buFont typeface="Arial" panose="020B0604020202020204" pitchFamily="34" charset="0"/>
+              <a:buChar char="»"/>
+              <a:defRPr kumimoji="1" sz="2000" kern="1200">
+                <a:solidFill>
+                  <a:srgbClr val="3E4057"/>
+                </a:solidFill>
+                <a:latin typeface="メイリオ" panose="020B0604030504040204" pitchFamily="50" charset="-128"/>
+                <a:ea typeface="メイリオ" panose="020B0604030504040204" pitchFamily="50" charset="-128"/>
+                <a:cs typeface="メイリオ" panose="020B0604030504040204" pitchFamily="50" charset="-128"/>
+              </a:defRPr>
+            </a:lvl5pPr>
+            <a:lvl6pPr marL="2514600" indent="-228600" algn="l" defTabSz="914400" rtl="0" eaLnBrk="1" latinLnBrk="0" hangingPunct="1">
+              <a:spcBef>
+                <a:spcPct val="20000"/>
+              </a:spcBef>
+              <a:buFont typeface="Arial" panose="020B0604020202020204" pitchFamily="34" charset="0"/>
+              <a:buChar char="•"/>
+              <a:defRPr kumimoji="1" sz="2000" kern="1200">
+                <a:solidFill>
+                  <a:schemeClr val="tx1"/>
+                </a:solidFill>
+                <a:latin typeface="+mn-lt"/>
+                <a:ea typeface="+mn-ea"/>
+                <a:cs typeface="+mn-cs"/>
+              </a:defRPr>
+            </a:lvl6pPr>
+            <a:lvl7pPr marL="2971800" indent="-228600" algn="l" defTabSz="914400" rtl="0" eaLnBrk="1" latinLnBrk="0" hangingPunct="1">
+              <a:spcBef>
+                <a:spcPct val="20000"/>
+              </a:spcBef>
+              <a:buFont typeface="Arial" panose="020B0604020202020204" pitchFamily="34" charset="0"/>
+              <a:buChar char="•"/>
+              <a:defRPr kumimoji="1" sz="2000" kern="1200">
+                <a:solidFill>
+                  <a:schemeClr val="tx1"/>
+                </a:solidFill>
+                <a:latin typeface="+mn-lt"/>
+                <a:ea typeface="+mn-ea"/>
+                <a:cs typeface="+mn-cs"/>
+              </a:defRPr>
+            </a:lvl7pPr>
+            <a:lvl8pPr marL="3429000" indent="-228600" algn="l" defTabSz="914400" rtl="0" eaLnBrk="1" latinLnBrk="0" hangingPunct="1">
+              <a:spcBef>
+                <a:spcPct val="20000"/>
+              </a:spcBef>
+              <a:buFont typeface="Arial" panose="020B0604020202020204" pitchFamily="34" charset="0"/>
+              <a:buChar char="•"/>
+              <a:defRPr kumimoji="1" sz="2000" kern="1200">
+                <a:solidFill>
+                  <a:schemeClr val="tx1"/>
+                </a:solidFill>
+                <a:latin typeface="+mn-lt"/>
+                <a:ea typeface="+mn-ea"/>
+                <a:cs typeface="+mn-cs"/>
+              </a:defRPr>
+            </a:lvl8pPr>
+            <a:lvl9pPr marL="3886200" indent="-228600" algn="l" defTabSz="914400" rtl="0" eaLnBrk="1" latinLnBrk="0" hangingPunct="1">
+              <a:spcBef>
+                <a:spcPct val="20000"/>
+              </a:spcBef>
+              <a:buFont typeface="Arial" panose="020B0604020202020204" pitchFamily="34" charset="0"/>
+              <a:buChar char="•"/>
+              <a:defRPr kumimoji="1" sz="2000" kern="1200">
+                <a:solidFill>
+                  <a:schemeClr val="tx1"/>
+                </a:solidFill>
+                <a:latin typeface="+mn-lt"/>
+                <a:ea typeface="+mn-ea"/>
+                <a:cs typeface="+mn-cs"/>
+              </a:defRPr>
+            </a:lvl9pPr>
+          </a:lstStyle>
+          <a:p>
+            <a:pPr marL="0" indent="0" algn="ctr">
+              <a:buFont typeface="Arial" panose="020B0604020202020204" pitchFamily="34" charset="0"/>
+              <a:buNone/>
+            </a:pPr>
+            <a:r>
+              <a:rPr lang="ja-JP" altLang="en-US" sz="2400" smtClean="0"/>
+              <a:t>汎用的なクラスやメソッドなどの振る舞いを</a:t>
+            </a:r>
+            <a:endParaRPr lang="en-US" altLang="ja-JP" sz="2400" smtClean="0"/>
+          </a:p>
+          <a:p>
+            <a:pPr marL="0" indent="0" algn="ctr">
+              <a:buFont typeface="Arial" panose="020B0604020202020204" pitchFamily="34" charset="0"/>
+              <a:buNone/>
+            </a:pPr>
+            <a:r>
+              <a:rPr lang="ja-JP" altLang="en-US" sz="2400" smtClean="0"/>
+              <a:t>入力の型に応じて変える技法</a:t>
+            </a:r>
+            <a:endParaRPr lang="en-US" altLang="ja-JP" sz="2400" smtClean="0"/>
           </a:p>
         </p:txBody>
       </p:sp>
@@ -13574,29 +13771,6 @@
           <a:chExt cx="0" cy="0"/>
         </a:xfrm>
       </p:grpSpPr>
-      <p:sp>
-        <p:nvSpPr>
-          <p:cNvPr id="2" name="タイトル 1"/>
-          <p:cNvSpPr>
-            <a:spLocks noGrp="1"/>
-          </p:cNvSpPr>
-          <p:nvPr>
-            <p:ph type="title"/>
-          </p:nvPr>
-        </p:nvSpPr>
-        <p:spPr/>
-        <p:txBody>
-          <a:bodyPr/>
-          <a:lstStyle/>
-          <a:p>
-            <a:r>
-              <a:rPr kumimoji="1" lang="en-US" altLang="ja-JP" smtClean="0"/>
-              <a:t>Generics</a:t>
-            </a:r>
-            <a:endParaRPr kumimoji="1" lang="ja-JP" altLang="en-US" dirty="0"/>
-          </a:p>
-        </p:txBody>
-      </p:sp>
       <p:sp>
         <p:nvSpPr>
           <p:cNvPr id="3" name="コンテンツ プレースホルダー 2"/>
@@ -13801,6 +13975,64 @@
               <a:t>3</a:t>
             </a:fld>
             <a:endParaRPr kumimoji="1" lang="ja-JP" altLang="en-US"/>
+          </a:p>
+        </p:txBody>
+      </p:sp>
+      <p:sp>
+        <p:nvSpPr>
+          <p:cNvPr id="8" name="タイトル 3"/>
+          <p:cNvSpPr txBox="1">
+            <a:spLocks/>
+          </p:cNvSpPr>
+          <p:nvPr/>
+        </p:nvSpPr>
+        <p:spPr>
+          <a:xfrm>
+            <a:off x="609600" y="427038"/>
+            <a:ext cx="8229600" cy="1143000"/>
+          </a:xfrm>
+          <a:prstGeom prst="rect">
+            <a:avLst/>
+          </a:prstGeom>
+        </p:spPr>
+        <p:txBody>
+          <a:bodyPr vert="horz" lIns="91440" tIns="45720" rIns="91440" bIns="45720" rtlCol="0" anchor="ctr">
+            <a:normAutofit/>
+          </a:bodyPr>
+          <a:lstStyle>
+            <a:lvl1pPr algn="ctr" defTabSz="914400" rtl="0" eaLnBrk="1" latinLnBrk="0" hangingPunct="1">
+              <a:spcBef>
+                <a:spcPct val="0"/>
+              </a:spcBef>
+              <a:buNone/>
+              <a:defRPr kumimoji="1" sz="4400" kern="1200">
+                <a:solidFill>
+                  <a:srgbClr val="32B490"/>
+                </a:solidFill>
+                <a:latin typeface="メイリオ" panose="020B0604030504040204" pitchFamily="50" charset="-128"/>
+                <a:ea typeface="メイリオ" panose="020B0604030504040204" pitchFamily="50" charset="-128"/>
+                <a:cs typeface="メイリオ" panose="020B0604030504040204" pitchFamily="50" charset="-128"/>
+              </a:defRPr>
+            </a:lvl1pPr>
+          </a:lstStyle>
+          <a:p>
+            <a:r>
+              <a:rPr lang="en-US" altLang="ja-JP" smtClean="0"/>
+              <a:t>Generics </a:t>
+            </a:r>
+            <a:r>
+              <a:rPr lang="ja-JP" altLang="en-US" sz="2800" smtClean="0"/>
+              <a:t>の</a:t>
+            </a:r>
+            <a:r>
+              <a:rPr lang="en-US" altLang="ja-JP" smtClean="0"/>
+              <a:t> </a:t>
+            </a:r>
+            <a:r>
+              <a:rPr lang="ja-JP" altLang="en-US" smtClean="0"/>
+              <a:t>特徴</a:t>
+            </a:r>
+            <a:endParaRPr lang="ja-JP" altLang="en-US"/>
           </a:p>
         </p:txBody>
       </p:sp>

--- a/typescript/typescript_generics.pptx
+++ b/typescript/typescript_generics.pptx
@@ -523,6 +523,258 @@
 </file>
 
 <file path=ppt/notesSlides/notesSlide1.xml><?xml version="1.0" encoding="utf-8"?>
+<p:notes xmlns:a="http://schemas.openxmlformats.org/drawingml/2006/main" xmlns:r="http://schemas.openxmlformats.org/officeDocument/2006/relationships" xmlns:p="http://schemas.openxmlformats.org/presentationml/2006/main">
+  <p:cSld>
+    <p:spTree>
+      <p:nvGrpSpPr>
+        <p:cNvPr id="1" name=""/>
+        <p:cNvGrpSpPr/>
+        <p:nvPr/>
+      </p:nvGrpSpPr>
+      <p:grpSpPr>
+        <a:xfrm>
+          <a:off x="0" y="0"/>
+          <a:ext cx="0" cy="0"/>
+          <a:chOff x="0" y="0"/>
+          <a:chExt cx="0" cy="0"/>
+        </a:xfrm>
+      </p:grpSpPr>
+      <p:sp>
+        <p:nvSpPr>
+          <p:cNvPr id="2" name="スライド イメージ プレースホルダー 1"/>
+          <p:cNvSpPr>
+            <a:spLocks noGrp="1" noRot="1" noChangeAspect="1"/>
+          </p:cNvSpPr>
+          <p:nvPr>
+            <p:ph type="sldImg"/>
+          </p:nvPr>
+        </p:nvSpPr>
+        <p:spPr/>
+      </p:sp>
+      <p:sp>
+        <p:nvSpPr>
+          <p:cNvPr id="3" name="ノート プレースホルダー 2"/>
+          <p:cNvSpPr>
+            <a:spLocks noGrp="1"/>
+          </p:cNvSpPr>
+          <p:nvPr>
+            <p:ph type="body" idx="1"/>
+          </p:nvPr>
+        </p:nvSpPr>
+        <p:spPr/>
+        <p:txBody>
+          <a:bodyPr/>
+          <a:lstStyle/>
+          <a:p>
+            <a:endParaRPr kumimoji="1" lang="en-US" altLang="ja-JP" smtClean="0"/>
+          </a:p>
+        </p:txBody>
+      </p:sp>
+      <p:sp>
+        <p:nvSpPr>
+          <p:cNvPr id="4" name="スライド番号プレースホルダー 3"/>
+          <p:cNvSpPr>
+            <a:spLocks noGrp="1"/>
+          </p:cNvSpPr>
+          <p:nvPr>
+            <p:ph type="sldNum" sz="quarter" idx="10"/>
+          </p:nvPr>
+        </p:nvSpPr>
+        <p:spPr/>
+        <p:txBody>
+          <a:bodyPr/>
+          <a:lstStyle/>
+          <a:p>
+            <a:fld id="{9E2E891F-855B-184B-AE40-6CD3B187B741}" type="slidenum">
+              <a:rPr kumimoji="1" lang="ja-JP" altLang="en-US" smtClean="0"/>
+              <a:t>2</a:t>
+            </a:fld>
+            <a:endParaRPr kumimoji="1" lang="ja-JP" altLang="en-US"/>
+          </a:p>
+        </p:txBody>
+      </p:sp>
+    </p:spTree>
+    <p:extLst>
+      <p:ext uri="{BB962C8B-B14F-4D97-AF65-F5344CB8AC3E}">
+        <p14:creationId xmlns:p14="http://schemas.microsoft.com/office/powerpoint/2010/main" val="293339905"/>
+      </p:ext>
+    </p:extLst>
+  </p:cSld>
+  <p:clrMapOvr>
+    <a:masterClrMapping/>
+  </p:clrMapOvr>
+</p:notes>
+</file>
+
+<file path=ppt/notesSlides/notesSlide2.xml><?xml version="1.0" encoding="utf-8"?>
+<p:notes xmlns:a="http://schemas.openxmlformats.org/drawingml/2006/main" xmlns:r="http://schemas.openxmlformats.org/officeDocument/2006/relationships" xmlns:p="http://schemas.openxmlformats.org/presentationml/2006/main">
+  <p:cSld>
+    <p:spTree>
+      <p:nvGrpSpPr>
+        <p:cNvPr id="1" name=""/>
+        <p:cNvGrpSpPr/>
+        <p:nvPr/>
+      </p:nvGrpSpPr>
+      <p:grpSpPr>
+        <a:xfrm>
+          <a:off x="0" y="0"/>
+          <a:ext cx="0" cy="0"/>
+          <a:chOff x="0" y="0"/>
+          <a:chExt cx="0" cy="0"/>
+        </a:xfrm>
+      </p:grpSpPr>
+      <p:sp>
+        <p:nvSpPr>
+          <p:cNvPr id="2" name="スライド イメージ プレースホルダー 1"/>
+          <p:cNvSpPr>
+            <a:spLocks noGrp="1" noRot="1" noChangeAspect="1"/>
+          </p:cNvSpPr>
+          <p:nvPr>
+            <p:ph type="sldImg"/>
+          </p:nvPr>
+        </p:nvSpPr>
+        <p:spPr/>
+      </p:sp>
+      <p:sp>
+        <p:nvSpPr>
+          <p:cNvPr id="3" name="ノート プレースホルダー 2"/>
+          <p:cNvSpPr>
+            <a:spLocks noGrp="1"/>
+          </p:cNvSpPr>
+          <p:nvPr>
+            <p:ph type="body" idx="1"/>
+          </p:nvPr>
+        </p:nvSpPr>
+        <p:spPr/>
+        <p:txBody>
+          <a:bodyPr/>
+          <a:lstStyle/>
+          <a:p>
+            <a:endParaRPr kumimoji="1" lang="ja-JP" altLang="en-US"/>
+          </a:p>
+        </p:txBody>
+      </p:sp>
+      <p:sp>
+        <p:nvSpPr>
+          <p:cNvPr id="4" name="スライド番号プレースホルダー 3"/>
+          <p:cNvSpPr>
+            <a:spLocks noGrp="1"/>
+          </p:cNvSpPr>
+          <p:nvPr>
+            <p:ph type="sldNum" sz="quarter" idx="10"/>
+          </p:nvPr>
+        </p:nvSpPr>
+        <p:spPr/>
+        <p:txBody>
+          <a:bodyPr/>
+          <a:lstStyle/>
+          <a:p>
+            <a:fld id="{9E2E891F-855B-184B-AE40-6CD3B187B741}" type="slidenum">
+              <a:rPr kumimoji="1" lang="ja-JP" altLang="en-US" smtClean="0"/>
+              <a:t>3</a:t>
+            </a:fld>
+            <a:endParaRPr kumimoji="1" lang="ja-JP" altLang="en-US"/>
+          </a:p>
+        </p:txBody>
+      </p:sp>
+    </p:spTree>
+    <p:extLst>
+      <p:ext uri="{BB962C8B-B14F-4D97-AF65-F5344CB8AC3E}">
+        <p14:creationId xmlns:p14="http://schemas.microsoft.com/office/powerpoint/2010/main" val="1749831012"/>
+      </p:ext>
+    </p:extLst>
+  </p:cSld>
+  <p:clrMapOvr>
+    <a:masterClrMapping/>
+  </p:clrMapOvr>
+</p:notes>
+</file>
+
+<file path=ppt/notesSlides/notesSlide3.xml><?xml version="1.0" encoding="utf-8"?>
+<p:notes xmlns:a="http://schemas.openxmlformats.org/drawingml/2006/main" xmlns:r="http://schemas.openxmlformats.org/officeDocument/2006/relationships" xmlns:p="http://schemas.openxmlformats.org/presentationml/2006/main">
+  <p:cSld>
+    <p:spTree>
+      <p:nvGrpSpPr>
+        <p:cNvPr id="1" name=""/>
+        <p:cNvGrpSpPr/>
+        <p:nvPr/>
+      </p:nvGrpSpPr>
+      <p:grpSpPr>
+        <a:xfrm>
+          <a:off x="0" y="0"/>
+          <a:ext cx="0" cy="0"/>
+          <a:chOff x="0" y="0"/>
+          <a:chExt cx="0" cy="0"/>
+        </a:xfrm>
+      </p:grpSpPr>
+      <p:sp>
+        <p:nvSpPr>
+          <p:cNvPr id="2" name="スライド イメージ プレースホルダー 1"/>
+          <p:cNvSpPr>
+            <a:spLocks noGrp="1" noRot="1" noChangeAspect="1"/>
+          </p:cNvSpPr>
+          <p:nvPr>
+            <p:ph type="sldImg"/>
+          </p:nvPr>
+        </p:nvSpPr>
+        <p:spPr/>
+      </p:sp>
+      <p:sp>
+        <p:nvSpPr>
+          <p:cNvPr id="3" name="ノート プレースホルダー 2"/>
+          <p:cNvSpPr>
+            <a:spLocks noGrp="1"/>
+          </p:cNvSpPr>
+          <p:nvPr>
+            <p:ph type="body" idx="1"/>
+          </p:nvPr>
+        </p:nvSpPr>
+        <p:spPr/>
+        <p:txBody>
+          <a:bodyPr/>
+          <a:lstStyle/>
+          <a:p>
+            <a:endParaRPr kumimoji="1" lang="ja-JP" altLang="en-US"/>
+          </a:p>
+        </p:txBody>
+      </p:sp>
+      <p:sp>
+        <p:nvSpPr>
+          <p:cNvPr id="4" name="スライド番号プレースホルダー 3"/>
+          <p:cNvSpPr>
+            <a:spLocks noGrp="1"/>
+          </p:cNvSpPr>
+          <p:nvPr>
+            <p:ph type="sldNum" sz="quarter" idx="10"/>
+          </p:nvPr>
+        </p:nvSpPr>
+        <p:spPr/>
+        <p:txBody>
+          <a:bodyPr/>
+          <a:lstStyle/>
+          <a:p>
+            <a:fld id="{9E2E891F-855B-184B-AE40-6CD3B187B741}" type="slidenum">
+              <a:rPr kumimoji="1" lang="ja-JP" altLang="en-US" smtClean="0"/>
+              <a:t>9</a:t>
+            </a:fld>
+            <a:endParaRPr kumimoji="1" lang="ja-JP" altLang="en-US"/>
+          </a:p>
+        </p:txBody>
+      </p:sp>
+    </p:spTree>
+    <p:extLst>
+      <p:ext uri="{BB962C8B-B14F-4D97-AF65-F5344CB8AC3E}">
+        <p14:creationId xmlns:p14="http://schemas.microsoft.com/office/powerpoint/2010/main" val="1389219545"/>
+      </p:ext>
+    </p:extLst>
+  </p:cSld>
+  <p:clrMapOvr>
+    <a:masterClrMapping/>
+  </p:clrMapOvr>
+</p:notes>
+</file>
+
+<file path=ppt/notesSlides/notesSlide4.xml><?xml version="1.0" encoding="utf-8"?>
 <p:notes xmlns:a="http://schemas.openxmlformats.org/drawingml/2006/main" xmlns:r="http://schemas.openxmlformats.org/officeDocument/2006/relationships" xmlns:p="http://schemas.openxmlformats.org/presentationml/2006/main">
   <p:cSld>
     <p:spTree>
@@ -12373,7 +12625,15 @@
                   <a:srgbClr val="32B490"/>
                 </a:solidFill>
               </a:rPr>
-              <a:t>C++, C#, Java, Haskell </a:t>
+              <a:t>C++, C#, </a:t>
+            </a:r>
+            <a:r>
+              <a:rPr lang="en-US" altLang="ja-JP" sz="2000" smtClean="0">
+                <a:solidFill>
+                  <a:srgbClr val="32B490"/>
+                </a:solidFill>
+              </a:rPr>
+              <a:t>Java </a:t>
             </a:r>
             <a:r>
               <a:rPr lang="ja-JP" altLang="en-US" sz="2000">
@@ -12397,7 +12657,15 @@
             </a:pPr>
             <a:r>
               <a:rPr lang="ja-JP" altLang="en-US" sz="2400" smtClean="0"/>
-              <a:t>実際の開発では、クラスやインターフェースに</a:t>
+              <a:t>実際の開発では、クラス</a:t>
+            </a:r>
+            <a:r>
+              <a:rPr lang="ja-JP" altLang="en-US" sz="2400" smtClean="0"/>
+              <a:t>やメソッド、インターフェース</a:t>
+            </a:r>
+            <a:r>
+              <a:rPr lang="ja-JP" altLang="en-US" sz="2400" smtClean="0"/>
+              <a:t>に</a:t>
             </a:r>
             <a:r>
               <a:rPr lang="en-US" altLang="ja-JP" sz="2400" smtClean="0"/>
@@ -13717,7 +13985,23 @@
             </a:pPr>
             <a:r>
               <a:rPr lang="ja-JP" altLang="en-US" sz="2400" smtClean="0"/>
-              <a:t>汎用的なクラスやメソッドなどの振る舞いを</a:t>
+              <a:t>汎用的なクラス</a:t>
+            </a:r>
+            <a:r>
+              <a:rPr lang="ja-JP" altLang="en-US" sz="2400" smtClean="0"/>
+              <a:t>や</a:t>
+            </a:r>
+            <a:r>
+              <a:rPr lang="ja-JP" altLang="en-US" sz="2400" smtClean="0"/>
+              <a:t>関数</a:t>
+            </a:r>
+            <a:r>
+              <a:rPr lang="ja-JP" altLang="en-US" sz="2400" smtClean="0"/>
+              <a:t>など</a:t>
+            </a:r>
+            <a:r>
+              <a:rPr lang="ja-JP" altLang="en-US" sz="2400" smtClean="0"/>
+              <a:t>の振る舞いを</a:t>
             </a:r>
             <a:endParaRPr lang="en-US" altLang="ja-JP" sz="2400" smtClean="0"/>
           </a:p>
@@ -13731,6 +14015,177 @@
               <a:t>入力の型に応じて変える技法</a:t>
             </a:r>
             <a:endParaRPr lang="en-US" altLang="ja-JP" sz="2400" smtClean="0"/>
+          </a:p>
+        </p:txBody>
+      </p:sp>
+      <p:sp>
+        <p:nvSpPr>
+          <p:cNvPr id="24" name="コンテンツ プレースホルダー 2"/>
+          <p:cNvSpPr txBox="1">
+            <a:spLocks/>
+          </p:cNvSpPr>
+          <p:nvPr/>
+        </p:nvSpPr>
+        <p:spPr>
+          <a:xfrm>
+            <a:off x="5593016" y="4185150"/>
+            <a:ext cx="3321293" cy="677793"/>
+          </a:xfrm>
+          <a:prstGeom prst="rect">
+            <a:avLst/>
+          </a:prstGeom>
+        </p:spPr>
+        <p:txBody>
+          <a:bodyPr vert="horz" lIns="91440" tIns="45720" rIns="91440" bIns="45720" rtlCol="0" anchor="ctr">
+            <a:noAutofit/>
+          </a:bodyPr>
+          <a:lstStyle>
+            <a:lvl1pPr marL="342900" indent="-342900" algn="l" defTabSz="914400" rtl="0" eaLnBrk="1" latinLnBrk="0" hangingPunct="1">
+              <a:spcBef>
+                <a:spcPct val="20000"/>
+              </a:spcBef>
+              <a:buFont typeface="Arial" panose="020B0604020202020204" pitchFamily="34" charset="0"/>
+              <a:buChar char="•"/>
+              <a:defRPr kumimoji="1" sz="3200" kern="1200">
+                <a:solidFill>
+                  <a:srgbClr val="3E4057"/>
+                </a:solidFill>
+                <a:latin typeface="メイリオ" panose="020B0604030504040204" pitchFamily="50" charset="-128"/>
+                <a:ea typeface="メイリオ" panose="020B0604030504040204" pitchFamily="50" charset="-128"/>
+                <a:cs typeface="メイリオ" panose="020B0604030504040204" pitchFamily="50" charset="-128"/>
+              </a:defRPr>
+            </a:lvl1pPr>
+            <a:lvl2pPr marL="742950" indent="-285750" algn="l" defTabSz="914400" rtl="0" eaLnBrk="1" latinLnBrk="0" hangingPunct="1">
+              <a:spcBef>
+                <a:spcPct val="20000"/>
+              </a:spcBef>
+              <a:buFont typeface="Arial" panose="020B0604020202020204" pitchFamily="34" charset="0"/>
+              <a:buChar char="–"/>
+              <a:defRPr kumimoji="1" sz="2800" kern="1200">
+                <a:solidFill>
+                  <a:srgbClr val="3E4057"/>
+                </a:solidFill>
+                <a:latin typeface="メイリオ" panose="020B0604030504040204" pitchFamily="50" charset="-128"/>
+                <a:ea typeface="メイリオ" panose="020B0604030504040204" pitchFamily="50" charset="-128"/>
+                <a:cs typeface="メイリオ" panose="020B0604030504040204" pitchFamily="50" charset="-128"/>
+              </a:defRPr>
+            </a:lvl2pPr>
+            <a:lvl3pPr marL="1143000" indent="-228600" algn="l" defTabSz="914400" rtl="0" eaLnBrk="1" latinLnBrk="0" hangingPunct="1">
+              <a:spcBef>
+                <a:spcPct val="20000"/>
+              </a:spcBef>
+              <a:buFont typeface="Arial" panose="020B0604020202020204" pitchFamily="34" charset="0"/>
+              <a:buChar char="•"/>
+              <a:defRPr kumimoji="1" sz="2400" kern="1200">
+                <a:solidFill>
+                  <a:srgbClr val="3E4057"/>
+                </a:solidFill>
+                <a:latin typeface="メイリオ" panose="020B0604030504040204" pitchFamily="50" charset="-128"/>
+                <a:ea typeface="メイリオ" panose="020B0604030504040204" pitchFamily="50" charset="-128"/>
+                <a:cs typeface="メイリオ" panose="020B0604030504040204" pitchFamily="50" charset="-128"/>
+              </a:defRPr>
+            </a:lvl3pPr>
+            <a:lvl4pPr marL="1600200" indent="-228600" algn="l" defTabSz="914400" rtl="0" eaLnBrk="1" latinLnBrk="0" hangingPunct="1">
+              <a:spcBef>
+                <a:spcPct val="20000"/>
+              </a:spcBef>
+              <a:buFont typeface="Arial" panose="020B0604020202020204" pitchFamily="34" charset="0"/>
+              <a:buChar char="–"/>
+              <a:defRPr kumimoji="1" sz="2000" kern="1200">
+                <a:solidFill>
+                  <a:srgbClr val="3E4057"/>
+                </a:solidFill>
+                <a:latin typeface="メイリオ" panose="020B0604030504040204" pitchFamily="50" charset="-128"/>
+                <a:ea typeface="メイリオ" panose="020B0604030504040204" pitchFamily="50" charset="-128"/>
+                <a:cs typeface="メイリオ" panose="020B0604030504040204" pitchFamily="50" charset="-128"/>
+              </a:defRPr>
+            </a:lvl4pPr>
+            <a:lvl5pPr marL="2057400" indent="-228600" algn="l" defTabSz="914400" rtl="0" eaLnBrk="1" latinLnBrk="0" hangingPunct="1">
+              <a:spcBef>
+                <a:spcPct val="20000"/>
+              </a:spcBef>
+              <a:buFont typeface="Arial" panose="020B0604020202020204" pitchFamily="34" charset="0"/>
+              <a:buChar char="»"/>
+              <a:defRPr kumimoji="1" sz="2000" kern="1200">
+                <a:solidFill>
+                  <a:srgbClr val="3E4057"/>
+                </a:solidFill>
+                <a:latin typeface="メイリオ" panose="020B0604030504040204" pitchFamily="50" charset="-128"/>
+                <a:ea typeface="メイリオ" panose="020B0604030504040204" pitchFamily="50" charset="-128"/>
+                <a:cs typeface="メイリオ" panose="020B0604030504040204" pitchFamily="50" charset="-128"/>
+              </a:defRPr>
+            </a:lvl5pPr>
+            <a:lvl6pPr marL="2514600" indent="-228600" algn="l" defTabSz="914400" rtl="0" eaLnBrk="1" latinLnBrk="0" hangingPunct="1">
+              <a:spcBef>
+                <a:spcPct val="20000"/>
+              </a:spcBef>
+              <a:buFont typeface="Arial" panose="020B0604020202020204" pitchFamily="34" charset="0"/>
+              <a:buChar char="•"/>
+              <a:defRPr kumimoji="1" sz="2000" kern="1200">
+                <a:solidFill>
+                  <a:schemeClr val="tx1"/>
+                </a:solidFill>
+                <a:latin typeface="+mn-lt"/>
+                <a:ea typeface="+mn-ea"/>
+                <a:cs typeface="+mn-cs"/>
+              </a:defRPr>
+            </a:lvl6pPr>
+            <a:lvl7pPr marL="2971800" indent="-228600" algn="l" defTabSz="914400" rtl="0" eaLnBrk="1" latinLnBrk="0" hangingPunct="1">
+              <a:spcBef>
+                <a:spcPct val="20000"/>
+              </a:spcBef>
+              <a:buFont typeface="Arial" panose="020B0604020202020204" pitchFamily="34" charset="0"/>
+              <a:buChar char="•"/>
+              <a:defRPr kumimoji="1" sz="2000" kern="1200">
+                <a:solidFill>
+                  <a:schemeClr val="tx1"/>
+                </a:solidFill>
+                <a:latin typeface="+mn-lt"/>
+                <a:ea typeface="+mn-ea"/>
+                <a:cs typeface="+mn-cs"/>
+              </a:defRPr>
+            </a:lvl7pPr>
+            <a:lvl8pPr marL="3429000" indent="-228600" algn="l" defTabSz="914400" rtl="0" eaLnBrk="1" latinLnBrk="0" hangingPunct="1">
+              <a:spcBef>
+                <a:spcPct val="20000"/>
+              </a:spcBef>
+              <a:buFont typeface="Arial" panose="020B0604020202020204" pitchFamily="34" charset="0"/>
+              <a:buChar char="•"/>
+              <a:defRPr kumimoji="1" sz="2000" kern="1200">
+                <a:solidFill>
+                  <a:schemeClr val="tx1"/>
+                </a:solidFill>
+                <a:latin typeface="+mn-lt"/>
+                <a:ea typeface="+mn-ea"/>
+                <a:cs typeface="+mn-cs"/>
+              </a:defRPr>
+            </a:lvl8pPr>
+            <a:lvl9pPr marL="3886200" indent="-228600" algn="l" defTabSz="914400" rtl="0" eaLnBrk="1" latinLnBrk="0" hangingPunct="1">
+              <a:spcBef>
+                <a:spcPct val="20000"/>
+              </a:spcBef>
+              <a:buFont typeface="Arial" panose="020B0604020202020204" pitchFamily="34" charset="0"/>
+              <a:buChar char="•"/>
+              <a:defRPr kumimoji="1" sz="2000" kern="1200">
+                <a:solidFill>
+                  <a:schemeClr val="tx1"/>
+                </a:solidFill>
+                <a:latin typeface="+mn-lt"/>
+                <a:ea typeface="+mn-ea"/>
+                <a:cs typeface="+mn-cs"/>
+              </a:defRPr>
+            </a:lvl9pPr>
+          </a:lstStyle>
+          <a:p>
+            <a:pPr marL="0" indent="0" algn="ctr">
+              <a:buFont typeface="Arial" panose="020B0604020202020204" pitchFamily="34" charset="0"/>
+              <a:buNone/>
+            </a:pPr>
+            <a:r>
+              <a:rPr lang="ja-JP" altLang="en-US" smtClean="0"/>
+              <a:t>（　　　　　）</a:t>
+            </a:r>
+            <a:endParaRPr lang="en-US" altLang="ja-JP"/>
           </a:p>
         </p:txBody>
       </p:sp>
@@ -13793,9 +14248,57 @@
           </a:bodyPr>
           <a:lstStyle/>
           <a:p>
+            <a:pPr>
+              <a:lnSpc>
+                <a:spcPct val="200000"/>
+              </a:lnSpc>
+            </a:pPr>
+            <a:r>
+              <a:rPr lang="ja-JP" altLang="en-US" sz="2400"/>
+              <a:t>オブジェクト指向の</a:t>
+            </a:r>
+            <a:r>
+              <a:rPr lang="ja-JP" altLang="en-US" sz="2400">
+                <a:solidFill>
+                  <a:srgbClr val="32B490"/>
+                </a:solidFill>
+              </a:rPr>
+              <a:t>多態性</a:t>
+            </a:r>
+            <a:r>
+              <a:rPr lang="ja-JP" altLang="en-US" sz="2400"/>
+              <a:t>を実現</a:t>
+            </a:r>
+            <a:endParaRPr lang="en-US" altLang="ja-JP" sz="2400"/>
+          </a:p>
+          <a:p>
+            <a:pPr lvl="1">
+              <a:lnSpc>
+                <a:spcPct val="200000"/>
+              </a:lnSpc>
+            </a:pPr>
+            <a:r>
+              <a:rPr lang="ja-JP" altLang="en-US" sz="2000"/>
+              <a:t>冗長なコードを書かず</a:t>
+            </a:r>
+            <a:r>
+              <a:rPr lang="ja-JP" altLang="en-US" sz="2000"/>
+              <a:t>に</a:t>
+            </a:r>
+            <a:r>
+              <a:rPr lang="ja-JP" altLang="en-US" sz="2000" smtClean="0"/>
+              <a:t>済む</a:t>
+            </a:r>
+            <a:endParaRPr kumimoji="1" lang="en-US" altLang="ja-JP" sz="2400" smtClean="0"/>
+          </a:p>
+          <a:p>
+            <a:r>
+              <a:rPr kumimoji="1" lang="ja-JP" altLang="en-US" sz="2400" smtClean="0"/>
+              <a:t>クラス</a:t>
+            </a:r>
             <a:r>
               <a:rPr kumimoji="1" lang="ja-JP" altLang="en-US" sz="2400" dirty="0" smtClean="0"/>
-              <a:t>クラスや関数</a:t>
+              <a:t>や関数</a:t>
             </a:r>
             <a:r>
               <a:rPr kumimoji="1" lang="ja-JP" altLang="en-US" sz="2400" smtClean="0"/>
@@ -13830,44 +14333,12 @@
               </a:lnSpc>
             </a:pPr>
             <a:r>
-              <a:rPr lang="ja-JP" altLang="en-US" sz="2400" smtClean="0"/>
-              <a:t>オブジェクト指向の</a:t>
-            </a:r>
-            <a:r>
-              <a:rPr lang="ja-JP" altLang="en-US" sz="2400" smtClean="0">
-                <a:solidFill>
-                  <a:srgbClr val="32B490"/>
-                </a:solidFill>
-              </a:rPr>
-              <a:t>多態性</a:t>
-            </a:r>
-            <a:r>
-              <a:rPr lang="ja-JP" altLang="en-US" sz="2400" smtClean="0"/>
-              <a:t>を実現</a:t>
-            </a:r>
-            <a:endParaRPr lang="en-US" altLang="ja-JP" sz="2400" smtClean="0"/>
-          </a:p>
-          <a:p>
-            <a:pPr lvl="1">
-              <a:lnSpc>
-                <a:spcPct val="200000"/>
-              </a:lnSpc>
-            </a:pPr>
-            <a:r>
-              <a:rPr lang="ja-JP" altLang="en-US" sz="2000" smtClean="0"/>
-              <a:t>冗長なコードを書かずに済む</a:t>
-            </a:r>
-            <a:endParaRPr lang="en-US" altLang="ja-JP" sz="2000" smtClean="0"/>
-          </a:p>
-          <a:p>
-            <a:pPr>
-              <a:lnSpc>
-                <a:spcPct val="200000"/>
-              </a:lnSpc>
-            </a:pPr>
-            <a:r>
               <a:rPr kumimoji="1" lang="ja-JP" altLang="en-US" sz="2400" smtClean="0"/>
-              <a:t>コンパイル時の型チェックが可能</a:t>
+              <a:t>コンパイル</a:t>
+            </a:r>
+            <a:r>
+              <a:rPr kumimoji="1" lang="ja-JP" altLang="en-US" sz="2400" smtClean="0"/>
+              <a:t>時の型チェックが可能</a:t>
             </a:r>
             <a:endParaRPr lang="en-US" altLang="ja-JP" sz="2400"/>
           </a:p>
@@ -13893,7 +14364,7 @@
         </p:nvCxnSpPr>
         <p:spPr>
           <a:xfrm>
-            <a:off x="2051720" y="2564904"/>
+            <a:off x="2051720" y="4077072"/>
             <a:ext cx="792088" cy="0"/>
           </a:xfrm>
           <a:prstGeom prst="line">
@@ -13928,7 +14399,7 @@
         </p:nvCxnSpPr>
         <p:spPr>
           <a:xfrm>
-            <a:off x="6300192" y="2564904"/>
+            <a:off x="6300192" y="4077072"/>
             <a:ext cx="2232248" cy="0"/>
           </a:xfrm>
           <a:prstGeom prst="line">
@@ -14235,7 +14706,7 @@
             </a:r>
             <a:r>
               <a:rPr lang="en-US" altLang="ja-JP" smtClean="0"/>
-              <a:t>Gnerics</a:t>
+              <a:t>Generics</a:t>
             </a:r>
             <a:endParaRPr kumimoji="1" lang="ja-JP" altLang="en-US" dirty="0"/>
           </a:p>
@@ -15052,7 +15523,11 @@
             </a:r>
             <a:r>
               <a:rPr lang="en-US" altLang="ja-JP"/>
-              <a:t> Gnerics</a:t>
+              <a:t> </a:t>
+            </a:r>
+            <a:r>
+              <a:rPr lang="en-US" altLang="ja-JP" smtClean="0"/>
+              <a:t>Generics</a:t>
             </a:r>
             <a:endParaRPr kumimoji="1" lang="ja-JP" altLang="en-US" dirty="0"/>
           </a:p>
@@ -16116,7 +16591,11 @@
             </a:r>
             <a:r>
               <a:rPr lang="en-US" altLang="ja-JP"/>
-              <a:t> Gnerics</a:t>
+              <a:t> </a:t>
+            </a:r>
+            <a:r>
+              <a:rPr lang="en-US" altLang="ja-JP" smtClean="0"/>
+              <a:t>Generics</a:t>
             </a:r>
             <a:endParaRPr kumimoji="1" lang="ja-JP" altLang="en-US" dirty="0"/>
           </a:p>
@@ -16392,7 +16871,7 @@
                 <a:t> </a:t>
               </a:r>
               <a:r>
-                <a:rPr lang="en-US" altLang="ja-JP" sz="2000" dirty="0" err="1" smtClean="0">
+                <a:rPr lang="en-US" altLang="ja-JP" sz="2000" b="1" dirty="0" err="1" smtClean="0">
                   <a:solidFill>
                     <a:srgbClr val="0070C0"/>
                   </a:solidFill>
@@ -17210,7 +17689,11 @@
             </a:r>
             <a:r>
               <a:rPr lang="en-US" altLang="ja-JP"/>
-              <a:t> Gnerics</a:t>
+              <a:t> </a:t>
+            </a:r>
+            <a:r>
+              <a:rPr lang="en-US" altLang="ja-JP" smtClean="0"/>
+              <a:t>Generics</a:t>
             </a:r>
             <a:endParaRPr kumimoji="1" lang="ja-JP" altLang="en-US" dirty="0"/>
           </a:p>
@@ -17243,7 +17726,11 @@
             </a:pPr>
             <a:r>
               <a:rPr lang="ja-JP" altLang="en-US" sz="2400" smtClean="0"/>
-              <a:t>関数を</a:t>
+              <a:t>関数</a:t>
+            </a:r>
+            <a:r>
+              <a:rPr lang="ja-JP" altLang="en-US" sz="2400" smtClean="0"/>
+              <a:t>を</a:t>
             </a:r>
             <a:r>
               <a:rPr lang="ja-JP" altLang="en-US" sz="2400" smtClean="0">
@@ -17251,7 +17738,7 @@
                   <a:srgbClr val="32B490"/>
                 </a:solidFill>
               </a:rPr>
-              <a:t>オーバーライド</a:t>
+              <a:t>多重宣言</a:t>
             </a:r>
             <a:r>
               <a:rPr lang="ja-JP" altLang="en-US" sz="2400" smtClean="0"/>
@@ -17340,7 +17827,29 @@
                   <a:ea typeface="Andale Mono" charset="0"/>
                   <a:cs typeface="Andale Mono" charset="0"/>
                 </a:rPr>
-                <a:t>function echo(arg: </a:t>
+                <a:t>function </a:t>
+              </a:r>
+              <a:r>
+                <a:rPr lang="en-US" altLang="ja-JP" sz="2000" b="1" smtClean="0">
+                  <a:solidFill>
+                    <a:srgbClr val="3E4057"/>
+                  </a:solidFill>
+                  <a:latin typeface="Andale Mono" charset="0"/>
+                  <a:ea typeface="Andale Mono" charset="0"/>
+                  <a:cs typeface="Andale Mono" charset="0"/>
+                </a:rPr>
+                <a:t>echo</a:t>
+              </a:r>
+              <a:r>
+                <a:rPr lang="en-US" altLang="ja-JP" sz="2000" smtClean="0">
+                  <a:solidFill>
+                    <a:srgbClr val="3E4057"/>
+                  </a:solidFill>
+                  <a:latin typeface="Andale Mono" charset="0"/>
+                  <a:ea typeface="Andale Mono" charset="0"/>
+                  <a:cs typeface="Andale Mono" charset="0"/>
+                </a:rPr>
+                <a:t>(arg: </a:t>
               </a:r>
               <a:r>
                 <a:rPr lang="en-US" altLang="ja-JP" sz="2000" b="1" smtClean="0">
@@ -17375,7 +17884,29 @@
                   <a:ea typeface="Andale Mono" charset="0"/>
                   <a:cs typeface="Andale Mono" charset="0"/>
                 </a:rPr>
-                <a:t>function echo(arg: </a:t>
+                <a:t>function </a:t>
+              </a:r>
+              <a:r>
+                <a:rPr lang="en-US" altLang="ja-JP" sz="2000" b="1" smtClean="0">
+                  <a:solidFill>
+                    <a:srgbClr val="3E4057"/>
+                  </a:solidFill>
+                  <a:latin typeface="Andale Mono" charset="0"/>
+                  <a:ea typeface="Andale Mono" charset="0"/>
+                  <a:cs typeface="Andale Mono" charset="0"/>
+                </a:rPr>
+                <a:t>echo</a:t>
+              </a:r>
+              <a:r>
+                <a:rPr lang="en-US" altLang="ja-JP" sz="2000" smtClean="0">
+                  <a:solidFill>
+                    <a:srgbClr val="3E4057"/>
+                  </a:solidFill>
+                  <a:latin typeface="Andale Mono" charset="0"/>
+                  <a:ea typeface="Andale Mono" charset="0"/>
+                  <a:cs typeface="Andale Mono" charset="0"/>
+                </a:rPr>
+                <a:t>(arg: </a:t>
               </a:r>
               <a:r>
                 <a:rPr lang="en-US" altLang="ja-JP" sz="2000" b="1" smtClean="0">
@@ -17443,29 +17974,7 @@
                   <a:ea typeface="Andale Mono" charset="0"/>
                   <a:cs typeface="Andale Mono" charset="0"/>
                 </a:rPr>
-                <a:t>(arg: </a:t>
-              </a:r>
-              <a:r>
-                <a:rPr lang="en-US" altLang="ja-JP" sz="2000" b="1" smtClean="0">
-                  <a:solidFill>
-                    <a:srgbClr val="3E4057"/>
-                  </a:solidFill>
-                  <a:latin typeface="Andale Mono" charset="0"/>
-                  <a:ea typeface="Andale Mono" charset="0"/>
-                  <a:cs typeface="Andale Mono" charset="0"/>
-                </a:rPr>
-                <a:t>any</a:t>
-              </a:r>
-              <a:r>
-                <a:rPr kumimoji="1" lang="en-US" altLang="ja-JP" sz="2000" smtClean="0">
-                  <a:solidFill>
-                    <a:srgbClr val="3E4057"/>
-                  </a:solidFill>
-                  <a:latin typeface="Andale Mono" charset="0"/>
-                  <a:ea typeface="Andale Mono" charset="0"/>
-                  <a:cs typeface="Andale Mono" charset="0"/>
-                </a:rPr>
-                <a:t>): </a:t>
+                <a:t>(arg)</a:t>
               </a:r>
               <a:r>
                 <a:rPr kumimoji="1" lang="en-US" altLang="ja-JP" sz="2000" b="1" smtClean="0">
@@ -17476,7 +17985,7 @@
                   <a:ea typeface="Andale Mono" charset="0"/>
                   <a:cs typeface="Andale Mono" charset="0"/>
                 </a:rPr>
-                <a:t>any </a:t>
+                <a:t> </a:t>
               </a:r>
               <a:r>
                 <a:rPr kumimoji="1" lang="en-US" altLang="ja-JP" sz="2000" smtClean="0">
@@ -17533,7 +18042,7 @@
                 <a:t> </a:t>
               </a:r>
               <a:r>
-                <a:rPr lang="en-US" altLang="ja-JP" sz="2000" dirty="0" err="1" smtClean="0">
+                <a:rPr lang="en-US" altLang="ja-JP" sz="2000" b="1" dirty="0" err="1" smtClean="0">
                   <a:solidFill>
                     <a:srgbClr val="3E4057"/>
                   </a:solidFill>
@@ -18227,7 +18736,11 @@
             </a:r>
             <a:r>
               <a:rPr lang="en-US" altLang="ja-JP"/>
-              <a:t> Gnerics</a:t>
+              <a:t> </a:t>
+            </a:r>
+            <a:r>
+              <a:rPr lang="en-US" altLang="ja-JP" smtClean="0"/>
+              <a:t>Generics</a:t>
             </a:r>
             <a:endParaRPr kumimoji="1" lang="ja-JP" altLang="en-US" dirty="0"/>
           </a:p>
@@ -18625,7 +19138,29 @@
                   <a:ea typeface="Andale Mono" charset="0"/>
                   <a:cs typeface="Andale Mono" charset="0"/>
                 </a:rPr>
-                <a:t>(arg: </a:t>
+                <a:t>(</a:t>
+              </a:r>
+              <a:r>
+                <a:rPr kumimoji="1" lang="en-US" altLang="ja-JP" sz="2000" b="1" smtClean="0">
+                  <a:solidFill>
+                    <a:srgbClr val="3E4057"/>
+                  </a:solidFill>
+                  <a:latin typeface="Andale Mono" charset="0"/>
+                  <a:ea typeface="Andale Mono" charset="0"/>
+                  <a:cs typeface="Andale Mono" charset="0"/>
+                </a:rPr>
+                <a:t>arg</a:t>
+              </a:r>
+              <a:r>
+                <a:rPr kumimoji="1" lang="en-US" altLang="ja-JP" sz="2000" smtClean="0">
+                  <a:solidFill>
+                    <a:srgbClr val="3E4057"/>
+                  </a:solidFill>
+                  <a:latin typeface="Andale Mono" charset="0"/>
+                  <a:ea typeface="Andale Mono" charset="0"/>
+                  <a:cs typeface="Andale Mono" charset="0"/>
+                </a:rPr>
+                <a:t>: </a:t>
               </a:r>
               <a:r>
                 <a:rPr lang="en-US" altLang="ja-JP" sz="2000" b="1" smtClean="0">
@@ -18718,7 +19253,7 @@
                 <a:t> </a:t>
               </a:r>
               <a:r>
-                <a:rPr lang="en-US" altLang="ja-JP" sz="2000" dirty="0" err="1" smtClean="0">
+                <a:rPr lang="en-US" altLang="ja-JP" sz="2000" b="1" dirty="0" err="1" smtClean="0">
                   <a:solidFill>
                     <a:srgbClr val="3E4057"/>
                   </a:solidFill>

--- a/typescript/typescript_generics.pptx
+++ b/typescript/typescript_generics.pptx
@@ -16770,7 +16770,29 @@
                   <a:ea typeface="Andale Mono" charset="0"/>
                   <a:cs typeface="Andale Mono" charset="0"/>
                 </a:rPr>
-                <a:t>(arg: </a:t>
+                <a:t>(</a:t>
+              </a:r>
+              <a:r>
+                <a:rPr kumimoji="1" lang="en-US" altLang="ja-JP" sz="2000" b="1" smtClean="0">
+                  <a:solidFill>
+                    <a:srgbClr val="3E4057"/>
+                  </a:solidFill>
+                  <a:latin typeface="Andale Mono" charset="0"/>
+                  <a:ea typeface="Andale Mono" charset="0"/>
+                  <a:cs typeface="Andale Mono" charset="0"/>
+                </a:rPr>
+                <a:t>arg</a:t>
+              </a:r>
+              <a:r>
+                <a:rPr kumimoji="1" lang="en-US" altLang="ja-JP" sz="2000" smtClean="0">
+                  <a:solidFill>
+                    <a:srgbClr val="3E4057"/>
+                  </a:solidFill>
+                  <a:latin typeface="Andale Mono" charset="0"/>
+                  <a:ea typeface="Andale Mono" charset="0"/>
+                  <a:cs typeface="Andale Mono" charset="0"/>
+                </a:rPr>
+                <a:t>: </a:t>
               </a:r>
               <a:r>
                 <a:rPr lang="en-US" altLang="ja-JP" sz="2000" b="1" smtClean="0">
@@ -20004,8 +20026,9 @@
             </a:r>
             <a:r>
               <a:rPr lang="en-US" altLang="ja-JP" sz="2400" smtClean="0"/>
-              <a:t>)}</a:t>
-            </a:r>
+              <a:t>);</a:t>
+            </a:r>
+            <a:endParaRPr lang="en-US" altLang="ja-JP" sz="2400" smtClean="0"/>
           </a:p>
         </p:txBody>
       </p:sp>
